--- a/Presentation/PSE Summer Module 1 -  Overview of Zero Knowledge Proofs .pptx
+++ b/Presentation/PSE Summer Module 1 -  Overview of Zero Knowledge Proofs .pptx
@@ -127,6 +127,14 @@
       </a:defRPr>
     </a:lvl9pPr>
   </p:defaultTextStyle>
+  <p:extLst>
+    <p:ext uri="{EFAFB233-063F-42B5-8137-9DF3F51BA10A}">
+      <p15:sldGuideLst xmlns:p15="http://schemas.microsoft.com/office/powerpoint/2012/main"/>
+    </p:ext>
+    <p:ext uri="{2D200454-40CA-4A62-9FC3-DE9A4176ACB9}">
+      <p15:notesGuideLst xmlns:p15="http://schemas.microsoft.com/office/powerpoint/2012/main"/>
+    </p:ext>
+  </p:extLst>
 </p:presentation>
 </file>
 
@@ -212,7 +220,7 @@
           <a:p>
             <a:fld id="{98651CFC-A194-4F46-B276-B3B03D454046}" type="datetimeFigureOut">
               <a:rPr kumimoji="1" lang="zh-TW" altLang="en-US" smtClean="0"/>
-              <a:t>2023/7/31</a:t>
+              <a:t>2023/8/2</a:t>
             </a:fld>
             <a:endParaRPr kumimoji="1" lang="zh-TW" altLang="en-US"/>
           </a:p>
@@ -2439,7 +2447,7 @@
           <a:p>
             <a:fld id="{5E61E245-A1A1-774D-9457-61DAA15A9D41}" type="datetime1">
               <a:rPr kumimoji="1" lang="zh-TW" altLang="en-US" smtClean="0"/>
-              <a:t>2023/8/1</a:t>
+              <a:t>2023/8/2</a:t>
             </a:fld>
             <a:endParaRPr kumimoji="1" lang="zh-TW" altLang="en-US"/>
           </a:p>
@@ -2637,7 +2645,7 @@
           <a:p>
             <a:fld id="{3731FF8F-A408-A14A-8F67-F35EA255F242}" type="datetime1">
               <a:rPr kumimoji="1" lang="zh-TW" altLang="en-US" smtClean="0"/>
-              <a:t>2023/8/1</a:t>
+              <a:t>2023/8/2</a:t>
             </a:fld>
             <a:endParaRPr kumimoji="1" lang="zh-TW" altLang="en-US"/>
           </a:p>
@@ -2845,7 +2853,7 @@
           <a:p>
             <a:fld id="{B1A2BA4B-4B4D-A048-8B19-289C7CBC8FCA}" type="datetime1">
               <a:rPr kumimoji="1" lang="zh-TW" altLang="en-US" smtClean="0"/>
-              <a:t>2023/8/1</a:t>
+              <a:t>2023/8/2</a:t>
             </a:fld>
             <a:endParaRPr kumimoji="1" lang="zh-TW" altLang="en-US"/>
           </a:p>
@@ -3043,7 +3051,7 @@
           <a:p>
             <a:fld id="{CF531817-6E7A-1240-B244-CA147604B83F}" type="datetime1">
               <a:rPr kumimoji="1" lang="zh-TW" altLang="en-US" smtClean="0"/>
-              <a:t>2023/8/1</a:t>
+              <a:t>2023/8/2</a:t>
             </a:fld>
             <a:endParaRPr kumimoji="1" lang="zh-TW" altLang="en-US"/>
           </a:p>
@@ -3318,7 +3326,7 @@
           <a:p>
             <a:fld id="{A05FCE74-AF19-ED49-861E-E060A19860DE}" type="datetime1">
               <a:rPr kumimoji="1" lang="zh-TW" altLang="en-US" smtClean="0"/>
-              <a:t>2023/8/1</a:t>
+              <a:t>2023/8/2</a:t>
             </a:fld>
             <a:endParaRPr kumimoji="1" lang="zh-TW" altLang="en-US"/>
           </a:p>
@@ -3583,7 +3591,7 @@
           <a:p>
             <a:fld id="{2979C3A3-9BA1-8740-AACD-A3EC2C7E9E3A}" type="datetime1">
               <a:rPr kumimoji="1" lang="zh-TW" altLang="en-US" smtClean="0"/>
-              <a:t>2023/8/1</a:t>
+              <a:t>2023/8/2</a:t>
             </a:fld>
             <a:endParaRPr kumimoji="1" lang="zh-TW" altLang="en-US"/>
           </a:p>
@@ -3995,7 +4003,7 @@
           <a:p>
             <a:fld id="{D99795C9-160F-D549-934C-880FA41C6CCE}" type="datetime1">
               <a:rPr kumimoji="1" lang="zh-TW" altLang="en-US" smtClean="0"/>
-              <a:t>2023/8/1</a:t>
+              <a:t>2023/8/2</a:t>
             </a:fld>
             <a:endParaRPr kumimoji="1" lang="zh-TW" altLang="en-US"/>
           </a:p>
@@ -4136,7 +4144,7 @@
           <a:p>
             <a:fld id="{4993715D-CB53-8847-9F51-3423D42FBAC7}" type="datetime1">
               <a:rPr kumimoji="1" lang="zh-TW" altLang="en-US" smtClean="0"/>
-              <a:t>2023/8/1</a:t>
+              <a:t>2023/8/2</a:t>
             </a:fld>
             <a:endParaRPr kumimoji="1" lang="zh-TW" altLang="en-US"/>
           </a:p>
@@ -4249,7 +4257,7 @@
           <a:p>
             <a:fld id="{901FDF19-DEE1-6B46-AD6B-0E92993B5BA7}" type="datetime1">
               <a:rPr kumimoji="1" lang="zh-TW" altLang="en-US" smtClean="0"/>
-              <a:t>2023/8/1</a:t>
+              <a:t>2023/8/2</a:t>
             </a:fld>
             <a:endParaRPr kumimoji="1" lang="zh-TW" altLang="en-US"/>
           </a:p>
@@ -4560,7 +4568,7 @@
           <a:p>
             <a:fld id="{EDDF9E55-602A-9C4B-9628-4B8D97C997D0}" type="datetime1">
               <a:rPr kumimoji="1" lang="zh-TW" altLang="en-US" smtClean="0"/>
-              <a:t>2023/8/1</a:t>
+              <a:t>2023/8/2</a:t>
             </a:fld>
             <a:endParaRPr kumimoji="1" lang="zh-TW" altLang="en-US"/>
           </a:p>
@@ -4848,7 +4856,7 @@
           <a:p>
             <a:fld id="{4E8E6F23-5637-6E43-B41C-FA339E39A619}" type="datetime1">
               <a:rPr kumimoji="1" lang="zh-TW" altLang="en-US" smtClean="0"/>
-              <a:t>2023/8/1</a:t>
+              <a:t>2023/8/2</a:t>
             </a:fld>
             <a:endParaRPr kumimoji="1" lang="zh-TW" altLang="en-US"/>
           </a:p>
@@ -5089,7 +5097,7 @@
           <a:p>
             <a:fld id="{85A3EA23-88C3-3642-A727-D3C5DE84F158}" type="datetime1">
               <a:rPr kumimoji="1" lang="zh-TW" altLang="en-US" smtClean="0"/>
-              <a:t>2023/8/1</a:t>
+              <a:t>2023/8/2</a:t>
             </a:fld>
             <a:endParaRPr kumimoji="1" lang="zh-TW" altLang="en-US"/>
           </a:p>
@@ -7896,25 +7904,18 @@
           <a:lstStyle/>
           <a:p>
             <a:r>
-              <a:rPr kumimoji="1" lang="en-US" altLang="zh-TW" b="1" dirty="0">
-                <a:latin typeface="Apple SD Gothic Neo" panose="02000300000000000000" pitchFamily="2" charset="-127"/>
-                <a:ea typeface="Apple SD Gothic Neo" panose="02000300000000000000" pitchFamily="2" charset="-127"/>
-              </a:rPr>
-              <a:t>The </a:t>
-            </a:r>
-            <a:r>
               <a:rPr kumimoji="1" lang="en-US" altLang="zh-TW" b="1" dirty="0" err="1">
                 <a:latin typeface="Apple SD Gothic Neo" panose="02000300000000000000" pitchFamily="2" charset="-127"/>
                 <a:ea typeface="Apple SD Gothic Neo" panose="02000300000000000000" pitchFamily="2" charset="-127"/>
               </a:rPr>
-              <a:t>Schnorr</a:t>
+              <a:t>Schnorr’s</a:t>
             </a:r>
             <a:r>
               <a:rPr kumimoji="1" lang="en-US" altLang="zh-TW" b="1" dirty="0">
                 <a:latin typeface="Apple SD Gothic Neo" panose="02000300000000000000" pitchFamily="2" charset="-127"/>
                 <a:ea typeface="Apple SD Gothic Neo" panose="02000300000000000000" pitchFamily="2" charset="-127"/>
               </a:rPr>
-              <a:t> Identification Protocol</a:t>
+              <a:t> Protocol</a:t>
             </a:r>
           </a:p>
         </p:txBody>
@@ -8688,8 +8689,8 @@
             <a:chExt cx="6179597" cy="2335118"/>
           </a:xfrm>
         </p:grpSpPr>
-        <mc:AlternateContent xmlns:mc="http://schemas.openxmlformats.org/markup-compatibility/2006">
-          <mc:Choice xmlns:a14="http://schemas.microsoft.com/office/drawing/2010/main" Requires="a14">
+        <mc:AlternateContent xmlns:mc="http://schemas.openxmlformats.org/markup-compatibility/2006" xmlns:a14="http://schemas.microsoft.com/office/drawing/2010/main">
+          <mc:Choice Requires="a14">
             <p:sp>
               <p:nvSpPr>
                 <p:cNvPr id="15" name="文字方塊 14">
@@ -8773,7 +8774,7 @@
               </p:txBody>
             </p:sp>
           </mc:Choice>
-          <mc:Fallback>
+          <mc:Fallback xmlns="">
             <p:sp>
               <p:nvSpPr>
                 <p:cNvPr id="15" name="文字方塊 14">
@@ -8818,8 +8819,8 @@
             </p:sp>
           </mc:Fallback>
         </mc:AlternateContent>
-        <mc:AlternateContent xmlns:mc="http://schemas.openxmlformats.org/markup-compatibility/2006">
-          <mc:Choice xmlns:a14="http://schemas.microsoft.com/office/drawing/2010/main" Requires="a14">
+        <mc:AlternateContent xmlns:mc="http://schemas.openxmlformats.org/markup-compatibility/2006" xmlns:a14="http://schemas.microsoft.com/office/drawing/2010/main">
+          <mc:Choice Requires="a14">
             <p:sp>
               <p:nvSpPr>
                 <p:cNvPr id="16" name="文字方塊 15">
@@ -9023,7 +9024,7 @@
               </p:txBody>
             </p:sp>
           </mc:Choice>
-          <mc:Fallback>
+          <mc:Fallback xmlns="">
             <p:sp>
               <p:nvSpPr>
                 <p:cNvPr id="16" name="文字方塊 15">
@@ -9191,8 +9192,8 @@
             </a:fontRef>
           </p:style>
         </p:cxnSp>
-        <mc:AlternateContent xmlns:mc="http://schemas.openxmlformats.org/markup-compatibility/2006">
-          <mc:Choice xmlns:a14="http://schemas.microsoft.com/office/drawing/2010/main" Requires="a14">
+        <mc:AlternateContent xmlns:mc="http://schemas.openxmlformats.org/markup-compatibility/2006" xmlns:a14="http://schemas.microsoft.com/office/drawing/2010/main">
+          <mc:Choice Requires="a14">
             <p:sp>
               <p:nvSpPr>
                 <p:cNvPr id="20" name="文字方塊 19">
@@ -9300,7 +9301,7 @@
               </p:txBody>
             </p:sp>
           </mc:Choice>
-          <mc:Fallback>
+          <mc:Fallback xmlns="">
             <p:sp>
               <p:nvSpPr>
                 <p:cNvPr id="20" name="文字方塊 19">
@@ -9345,8 +9346,8 @@
             </p:sp>
           </mc:Fallback>
         </mc:AlternateContent>
-        <mc:AlternateContent xmlns:mc="http://schemas.openxmlformats.org/markup-compatibility/2006">
-          <mc:Choice xmlns:a14="http://schemas.microsoft.com/office/drawing/2010/main" Requires="a14">
+        <mc:AlternateContent xmlns:mc="http://schemas.openxmlformats.org/markup-compatibility/2006" xmlns:a14="http://schemas.microsoft.com/office/drawing/2010/main">
+          <mc:Choice Requires="a14">
             <p:sp>
               <p:nvSpPr>
                 <p:cNvPr id="21" name="文字方塊 20">
@@ -9396,7 +9397,7 @@
               </p:txBody>
             </p:sp>
           </mc:Choice>
-          <mc:Fallback>
+          <mc:Fallback xmlns="">
             <p:sp>
               <p:nvSpPr>
                 <p:cNvPr id="21" name="文字方塊 20">
@@ -9441,8 +9442,8 @@
             </p:sp>
           </mc:Fallback>
         </mc:AlternateContent>
-        <mc:AlternateContent xmlns:mc="http://schemas.openxmlformats.org/markup-compatibility/2006">
-          <mc:Choice xmlns:a14="http://schemas.microsoft.com/office/drawing/2010/main" Requires="a14">
+        <mc:AlternateContent xmlns:mc="http://schemas.openxmlformats.org/markup-compatibility/2006" xmlns:a14="http://schemas.microsoft.com/office/drawing/2010/main">
+          <mc:Choice Requires="a14">
             <p:sp>
               <p:nvSpPr>
                 <p:cNvPr id="22" name="文字方塊 21">
@@ -9540,7 +9541,7 @@
               </p:txBody>
             </p:sp>
           </mc:Choice>
-          <mc:Fallback>
+          <mc:Fallback xmlns="">
             <p:sp>
               <p:nvSpPr>
                 <p:cNvPr id="22" name="文字方塊 21">
@@ -9880,8 +9881,8 @@
           </a:p>
         </p:txBody>
       </p:sp>
-      <mc:AlternateContent xmlns:mc="http://schemas.openxmlformats.org/markup-compatibility/2006">
-        <mc:Choice xmlns:a14="http://schemas.microsoft.com/office/drawing/2010/main" Requires="a14">
+      <mc:AlternateContent xmlns:mc="http://schemas.openxmlformats.org/markup-compatibility/2006" xmlns:a14="http://schemas.microsoft.com/office/drawing/2010/main">
+        <mc:Choice Requires="a14">
           <p:sp>
             <p:nvSpPr>
               <p:cNvPr id="52" name="內容版面配置區 2">
@@ -10634,7 +10635,7 @@
             </p:txBody>
           </p:sp>
         </mc:Choice>
-        <mc:Fallback>
+        <mc:Fallback xmlns="">
           <p:sp>
             <p:nvSpPr>
               <p:cNvPr id="52" name="內容版面配置區 2">
@@ -10699,8 +10700,8 @@
             <a:chExt cx="6179597" cy="2335118"/>
           </a:xfrm>
         </p:grpSpPr>
-        <mc:AlternateContent xmlns:mc="http://schemas.openxmlformats.org/markup-compatibility/2006">
-          <mc:Choice xmlns:a14="http://schemas.microsoft.com/office/drawing/2010/main" Requires="a14">
+        <mc:AlternateContent xmlns:mc="http://schemas.openxmlformats.org/markup-compatibility/2006" xmlns:a14="http://schemas.microsoft.com/office/drawing/2010/main">
+          <mc:Choice Requires="a14">
             <p:sp>
               <p:nvSpPr>
                 <p:cNvPr id="24" name="文字方塊 23">
@@ -10784,7 +10785,7 @@
               </p:txBody>
             </p:sp>
           </mc:Choice>
-          <mc:Fallback>
+          <mc:Fallback xmlns="">
             <p:sp>
               <p:nvSpPr>
                 <p:cNvPr id="24" name="文字方塊 23">
@@ -10829,8 +10830,8 @@
             </p:sp>
           </mc:Fallback>
         </mc:AlternateContent>
-        <mc:AlternateContent xmlns:mc="http://schemas.openxmlformats.org/markup-compatibility/2006">
-          <mc:Choice xmlns:a14="http://schemas.microsoft.com/office/drawing/2010/main" Requires="a14">
+        <mc:AlternateContent xmlns:mc="http://schemas.openxmlformats.org/markup-compatibility/2006" xmlns:a14="http://schemas.microsoft.com/office/drawing/2010/main">
+          <mc:Choice Requires="a14">
             <p:sp>
               <p:nvSpPr>
                 <p:cNvPr id="25" name="文字方塊 24">
@@ -11034,7 +11035,7 @@
               </p:txBody>
             </p:sp>
           </mc:Choice>
-          <mc:Fallback>
+          <mc:Fallback xmlns="">
             <p:sp>
               <p:nvSpPr>
                 <p:cNvPr id="25" name="文字方塊 24">
@@ -11202,8 +11203,8 @@
             </a:fontRef>
           </p:style>
         </p:cxnSp>
-        <mc:AlternateContent xmlns:mc="http://schemas.openxmlformats.org/markup-compatibility/2006">
-          <mc:Choice xmlns:a14="http://schemas.microsoft.com/office/drawing/2010/main" Requires="a14">
+        <mc:AlternateContent xmlns:mc="http://schemas.openxmlformats.org/markup-compatibility/2006" xmlns:a14="http://schemas.microsoft.com/office/drawing/2010/main">
+          <mc:Choice Requires="a14">
             <p:sp>
               <p:nvSpPr>
                 <p:cNvPr id="29" name="文字方塊 28">
@@ -11311,7 +11312,7 @@
               </p:txBody>
             </p:sp>
           </mc:Choice>
-          <mc:Fallback>
+          <mc:Fallback xmlns="">
             <p:sp>
               <p:nvSpPr>
                 <p:cNvPr id="29" name="文字方塊 28">
@@ -11356,8 +11357,8 @@
             </p:sp>
           </mc:Fallback>
         </mc:AlternateContent>
-        <mc:AlternateContent xmlns:mc="http://schemas.openxmlformats.org/markup-compatibility/2006">
-          <mc:Choice xmlns:a14="http://schemas.microsoft.com/office/drawing/2010/main" Requires="a14">
+        <mc:AlternateContent xmlns:mc="http://schemas.openxmlformats.org/markup-compatibility/2006" xmlns:a14="http://schemas.microsoft.com/office/drawing/2010/main">
+          <mc:Choice Requires="a14">
             <p:sp>
               <p:nvSpPr>
                 <p:cNvPr id="30" name="文字方塊 29">
@@ -11407,7 +11408,7 @@
               </p:txBody>
             </p:sp>
           </mc:Choice>
-          <mc:Fallback>
+          <mc:Fallback xmlns="">
             <p:sp>
               <p:nvSpPr>
                 <p:cNvPr id="30" name="文字方塊 29">
@@ -11452,8 +11453,8 @@
             </p:sp>
           </mc:Fallback>
         </mc:AlternateContent>
-        <mc:AlternateContent xmlns:mc="http://schemas.openxmlformats.org/markup-compatibility/2006">
-          <mc:Choice xmlns:a14="http://schemas.microsoft.com/office/drawing/2010/main" Requires="a14">
+        <mc:AlternateContent xmlns:mc="http://schemas.openxmlformats.org/markup-compatibility/2006" xmlns:a14="http://schemas.microsoft.com/office/drawing/2010/main">
+          <mc:Choice Requires="a14">
             <p:sp>
               <p:nvSpPr>
                 <p:cNvPr id="31" name="文字方塊 30">
@@ -11551,7 +11552,7 @@
               </p:txBody>
             </p:sp>
           </mc:Choice>
-          <mc:Fallback>
+          <mc:Fallback xmlns="">
             <p:sp>
               <p:nvSpPr>
                 <p:cNvPr id="31" name="文字方塊 30">
@@ -11891,8 +11892,8 @@
           </a:p>
         </p:txBody>
       </p:sp>
-      <mc:AlternateContent xmlns:mc="http://schemas.openxmlformats.org/markup-compatibility/2006">
-        <mc:Choice xmlns:a14="http://schemas.microsoft.com/office/drawing/2010/main" Requires="a14">
+      <mc:AlternateContent xmlns:mc="http://schemas.openxmlformats.org/markup-compatibility/2006" xmlns:a14="http://schemas.microsoft.com/office/drawing/2010/main">
+        <mc:Choice Requires="a14">
           <p:sp>
             <p:nvSpPr>
               <p:cNvPr id="52" name="內容版面配置區 2">
@@ -12333,7 +12334,7 @@
             </p:txBody>
           </p:sp>
         </mc:Choice>
-        <mc:Fallback>
+        <mc:Fallback xmlns="">
           <p:sp>
             <p:nvSpPr>
               <p:cNvPr id="52" name="內容版面配置區 2">
@@ -12398,8 +12399,8 @@
             <a:chExt cx="6457184" cy="3319363"/>
           </a:xfrm>
         </p:grpSpPr>
-        <mc:AlternateContent xmlns:mc="http://schemas.openxmlformats.org/markup-compatibility/2006">
-          <mc:Choice xmlns:a14="http://schemas.microsoft.com/office/drawing/2010/main" Requires="a14">
+        <mc:AlternateContent xmlns:mc="http://schemas.openxmlformats.org/markup-compatibility/2006" xmlns:a14="http://schemas.microsoft.com/office/drawing/2010/main">
+          <mc:Choice Requires="a14">
             <p:sp>
               <p:nvSpPr>
                 <p:cNvPr id="63" name="文字方塊 62">
@@ -12483,7 +12484,7 @@
               </p:txBody>
             </p:sp>
           </mc:Choice>
-          <mc:Fallback>
+          <mc:Fallback xmlns="">
             <p:sp>
               <p:nvSpPr>
                 <p:cNvPr id="63" name="文字方塊 62">
@@ -12528,8 +12529,8 @@
             </p:sp>
           </mc:Fallback>
         </mc:AlternateContent>
-        <mc:AlternateContent xmlns:mc="http://schemas.openxmlformats.org/markup-compatibility/2006">
-          <mc:Choice xmlns:a14="http://schemas.microsoft.com/office/drawing/2010/main" Requires="a14">
+        <mc:AlternateContent xmlns:mc="http://schemas.openxmlformats.org/markup-compatibility/2006" xmlns:a14="http://schemas.microsoft.com/office/drawing/2010/main">
+          <mc:Choice Requires="a14">
             <p:sp>
               <p:nvSpPr>
                 <p:cNvPr id="64" name="文字方塊 63">
@@ -12874,7 +12875,7 @@
               </p:txBody>
             </p:sp>
           </mc:Choice>
-          <mc:Fallback>
+          <mc:Fallback xmlns="">
             <p:sp>
               <p:nvSpPr>
                 <p:cNvPr id="64" name="文字方塊 63">
@@ -13042,8 +13043,8 @@
             </a:fontRef>
           </p:style>
         </p:cxnSp>
-        <mc:AlternateContent xmlns:mc="http://schemas.openxmlformats.org/markup-compatibility/2006">
-          <mc:Choice xmlns:a14="http://schemas.microsoft.com/office/drawing/2010/main" Requires="a14">
+        <mc:AlternateContent xmlns:mc="http://schemas.openxmlformats.org/markup-compatibility/2006" xmlns:a14="http://schemas.microsoft.com/office/drawing/2010/main">
+          <mc:Choice Requires="a14">
             <p:sp>
               <p:nvSpPr>
                 <p:cNvPr id="68" name="文字方塊 67">
@@ -13151,7 +13152,7 @@
               </p:txBody>
             </p:sp>
           </mc:Choice>
-          <mc:Fallback>
+          <mc:Fallback xmlns="">
             <p:sp>
               <p:nvSpPr>
                 <p:cNvPr id="68" name="文字方塊 67">
@@ -13196,8 +13197,8 @@
             </p:sp>
           </mc:Fallback>
         </mc:AlternateContent>
-        <mc:AlternateContent xmlns:mc="http://schemas.openxmlformats.org/markup-compatibility/2006">
-          <mc:Choice xmlns:a14="http://schemas.microsoft.com/office/drawing/2010/main" Requires="a14">
+        <mc:AlternateContent xmlns:mc="http://schemas.openxmlformats.org/markup-compatibility/2006" xmlns:a14="http://schemas.microsoft.com/office/drawing/2010/main">
+          <mc:Choice Requires="a14">
             <p:sp>
               <p:nvSpPr>
                 <p:cNvPr id="69" name="文字方塊 68">
@@ -13266,7 +13267,7 @@
               </p:txBody>
             </p:sp>
           </mc:Choice>
-          <mc:Fallback>
+          <mc:Fallback xmlns="">
             <p:sp>
               <p:nvSpPr>
                 <p:cNvPr id="69" name="文字方塊 68">
@@ -13420,7 +13421,13 @@
                           <a:rPr kumimoji="1" lang="en-US" altLang="zh-TW" sz="1600" b="0" i="1" smtClean="0">
                             <a:latin typeface="Cambria Math" panose="02040503050406030204" pitchFamily="18" charset="0"/>
                           </a:rPr>
-                          <m:t>)+</m:t>
+                          <m:t>)</m:t>
+                        </m:r>
+                        <m:r>
+                          <a:rPr kumimoji="1" lang="en-US" altLang="zh-TW" sz="1600" b="0" i="1" smtClean="0">
+                            <a:latin typeface="Cambria Math" panose="02040503050406030204" pitchFamily="18" charset="0"/>
+                          </a:rPr>
+                          <m:t>+</m:t>
                         </m:r>
                         <m:r>
                           <a:rPr kumimoji="1" lang="en-US" altLang="zh-TW" sz="1600" b="0" i="1" smtClean="0">
@@ -13623,8 +13630,8 @@
             </a:fontRef>
           </p:style>
         </p:cxnSp>
-        <mc:AlternateContent xmlns:mc="http://schemas.openxmlformats.org/markup-compatibility/2006">
-          <mc:Choice xmlns:a14="http://schemas.microsoft.com/office/drawing/2010/main" Requires="a14">
+        <mc:AlternateContent xmlns:mc="http://schemas.openxmlformats.org/markup-compatibility/2006" xmlns:a14="http://schemas.microsoft.com/office/drawing/2010/main">
+          <mc:Choice Requires="a14">
             <p:sp>
               <p:nvSpPr>
                 <p:cNvPr id="74" name="文字方塊 73">
@@ -13693,7 +13700,7 @@
               </p:txBody>
             </p:sp>
           </mc:Choice>
-          <mc:Fallback>
+          <mc:Fallback xmlns="">
             <p:sp>
               <p:nvSpPr>
                 <p:cNvPr id="74" name="文字方塊 73">
@@ -13738,8 +13745,8 @@
             </p:sp>
           </mc:Fallback>
         </mc:AlternateContent>
-        <mc:AlternateContent xmlns:mc="http://schemas.openxmlformats.org/markup-compatibility/2006">
-          <mc:Choice xmlns:a14="http://schemas.microsoft.com/office/drawing/2010/main" Requires="a14">
+        <mc:AlternateContent xmlns:mc="http://schemas.openxmlformats.org/markup-compatibility/2006" xmlns:a14="http://schemas.microsoft.com/office/drawing/2010/main">
+          <mc:Choice Requires="a14">
             <p:sp>
               <p:nvSpPr>
                 <p:cNvPr id="75" name="文字方塊 74">
@@ -13887,7 +13894,7 @@
               </p:txBody>
             </p:sp>
           </mc:Choice>
-          <mc:Fallback>
+          <mc:Fallback xmlns="">
             <p:sp>
               <p:nvSpPr>
                 <p:cNvPr id="75" name="文字方塊 74">
@@ -14227,8 +14234,8 @@
           </a:p>
         </p:txBody>
       </p:sp>
-      <mc:AlternateContent xmlns:mc="http://schemas.openxmlformats.org/markup-compatibility/2006">
-        <mc:Choice xmlns:a14="http://schemas.microsoft.com/office/drawing/2010/main" Requires="a14">
+      <mc:AlternateContent xmlns:mc="http://schemas.openxmlformats.org/markup-compatibility/2006" xmlns:a14="http://schemas.microsoft.com/office/drawing/2010/main">
+        <mc:Choice Requires="a14">
           <p:sp>
             <p:nvSpPr>
               <p:cNvPr id="52" name="內容版面配置區 2">
@@ -14522,7 +14529,7 @@
             </p:txBody>
           </p:sp>
         </mc:Choice>
-        <mc:Fallback>
+        <mc:Fallback xmlns="">
           <p:sp>
             <p:nvSpPr>
               <p:cNvPr id="52" name="內容版面配置區 2">
@@ -14587,8 +14594,8 @@
             <a:chExt cx="6050084" cy="3073142"/>
           </a:xfrm>
         </p:grpSpPr>
-        <mc:AlternateContent xmlns:mc="http://schemas.openxmlformats.org/markup-compatibility/2006">
-          <mc:Choice xmlns:a14="http://schemas.microsoft.com/office/drawing/2010/main" Requires="a14">
+        <mc:AlternateContent xmlns:mc="http://schemas.openxmlformats.org/markup-compatibility/2006" xmlns:a14="http://schemas.microsoft.com/office/drawing/2010/main">
+          <mc:Choice Requires="a14">
             <p:sp>
               <p:nvSpPr>
                 <p:cNvPr id="4" name="文字方塊 3">
@@ -14684,7 +14691,7 @@
               </p:txBody>
             </p:sp>
           </mc:Choice>
-          <mc:Fallback>
+          <mc:Fallback xmlns="">
             <p:sp>
               <p:nvSpPr>
                 <p:cNvPr id="4" name="文字方塊 3">
@@ -14729,8 +14736,8 @@
             </p:sp>
           </mc:Fallback>
         </mc:AlternateContent>
-        <mc:AlternateContent xmlns:mc="http://schemas.openxmlformats.org/markup-compatibility/2006">
-          <mc:Choice xmlns:a14="http://schemas.microsoft.com/office/drawing/2010/main" Requires="a14">
+        <mc:AlternateContent xmlns:mc="http://schemas.openxmlformats.org/markup-compatibility/2006" xmlns:a14="http://schemas.microsoft.com/office/drawing/2010/main">
+          <mc:Choice Requires="a14">
             <p:sp>
               <p:nvSpPr>
                 <p:cNvPr id="5" name="文字方塊 4">
@@ -14957,7 +14964,7 @@
               </p:txBody>
             </p:sp>
           </mc:Choice>
-          <mc:Fallback>
+          <mc:Fallback xmlns="">
             <p:sp>
               <p:nvSpPr>
                 <p:cNvPr id="5" name="文字方塊 4">
@@ -15084,8 +15091,8 @@
             </a:fontRef>
           </p:style>
         </p:cxnSp>
-        <mc:AlternateContent xmlns:mc="http://schemas.openxmlformats.org/markup-compatibility/2006">
-          <mc:Choice xmlns:a14="http://schemas.microsoft.com/office/drawing/2010/main" Requires="a14">
+        <mc:AlternateContent xmlns:mc="http://schemas.openxmlformats.org/markup-compatibility/2006" xmlns:a14="http://schemas.microsoft.com/office/drawing/2010/main">
+          <mc:Choice Requires="a14">
             <p:sp>
               <p:nvSpPr>
                 <p:cNvPr id="9" name="文字方塊 8">
@@ -15193,7 +15200,7 @@
               </p:txBody>
             </p:sp>
           </mc:Choice>
-          <mc:Fallback>
+          <mc:Fallback xmlns="">
             <p:sp>
               <p:nvSpPr>
                 <p:cNvPr id="9" name="文字方塊 8">
@@ -15238,8 +15245,8 @@
             </p:sp>
           </mc:Fallback>
         </mc:AlternateContent>
-        <mc:AlternateContent xmlns:mc="http://schemas.openxmlformats.org/markup-compatibility/2006">
-          <mc:Choice xmlns:a14="http://schemas.microsoft.com/office/drawing/2010/main" Requires="a14">
+        <mc:AlternateContent xmlns:mc="http://schemas.openxmlformats.org/markup-compatibility/2006" xmlns:a14="http://schemas.microsoft.com/office/drawing/2010/main">
+          <mc:Choice Requires="a14">
             <p:sp>
               <p:nvSpPr>
                 <p:cNvPr id="11" name="文字方塊 10">
@@ -15289,7 +15296,7 @@
               </p:txBody>
             </p:sp>
           </mc:Choice>
-          <mc:Fallback>
+          <mc:Fallback xmlns="">
             <p:sp>
               <p:nvSpPr>
                 <p:cNvPr id="11" name="文字方塊 10">
@@ -15452,8 +15459,8 @@
             </a:fontRef>
           </p:style>
         </p:cxnSp>
-        <mc:AlternateContent xmlns:mc="http://schemas.openxmlformats.org/markup-compatibility/2006">
-          <mc:Choice xmlns:a14="http://schemas.microsoft.com/office/drawing/2010/main" Requires="a14">
+        <mc:AlternateContent xmlns:mc="http://schemas.openxmlformats.org/markup-compatibility/2006" xmlns:a14="http://schemas.microsoft.com/office/drawing/2010/main">
+          <mc:Choice Requires="a14">
             <p:sp>
               <p:nvSpPr>
                 <p:cNvPr id="15" name="文字方塊 14">
@@ -15503,7 +15510,7 @@
               </p:txBody>
             </p:sp>
           </mc:Choice>
-          <mc:Fallback>
+          <mc:Fallback xmlns="">
             <p:sp>
               <p:nvSpPr>
                 <p:cNvPr id="15" name="文字方塊 14">
@@ -15548,8 +15555,8 @@
             </p:sp>
           </mc:Fallback>
         </mc:AlternateContent>
-        <mc:AlternateContent xmlns:mc="http://schemas.openxmlformats.org/markup-compatibility/2006">
-          <mc:Choice xmlns:a14="http://schemas.microsoft.com/office/drawing/2010/main" Requires="a14">
+        <mc:AlternateContent xmlns:mc="http://schemas.openxmlformats.org/markup-compatibility/2006" xmlns:a14="http://schemas.microsoft.com/office/drawing/2010/main">
+          <mc:Choice Requires="a14">
             <p:sp>
               <p:nvSpPr>
                 <p:cNvPr id="16" name="文字方塊 15">
@@ -15599,7 +15606,7 @@
               </p:txBody>
             </p:sp>
           </mc:Choice>
-          <mc:Fallback>
+          <mc:Fallback xmlns="">
             <p:sp>
               <p:nvSpPr>
                 <p:cNvPr id="16" name="文字方塊 15">
@@ -15701,8 +15708,8 @@
               </p:nvSpPr>
               <p:spPr>
                 <a:xfrm>
-                  <a:off x="7296093" y="4347085"/>
-                  <a:ext cx="1784335" cy="338554"/>
+                  <a:off x="7088762" y="4347085"/>
+                  <a:ext cx="2199000" cy="348813"/>
                 </a:xfrm>
                 <a:prstGeom prst="rect">
                   <a:avLst/>
@@ -15741,13 +15748,7 @@
                               <a:rPr kumimoji="1" lang="en-US" altLang="zh-TW" sz="1600" b="0" i="1" smtClean="0">
                                 <a:latin typeface="Cambria Math" panose="02040503050406030204" pitchFamily="18" charset="0"/>
                               </a:rPr>
-                              <m:t>′</m:t>
-                            </m:r>
-                            <m:r>
-                              <a:rPr kumimoji="1" lang="en-US" altLang="zh-TW" sz="1600" b="0" i="1" smtClean="0">
-                                <a:latin typeface="Cambria Math" panose="02040503050406030204" pitchFamily="18" charset="0"/>
-                              </a:rPr>
-                              <m:t>=</m:t>
+                              <m:t>′=</m:t>
                             </m:r>
                             <m:r>
                               <a:rPr kumimoji="1" lang="en-US" altLang="zh-TW" sz="1600" b="0" i="1" smtClean="0">
@@ -15763,23 +15764,68 @@
                               </a:rPr>
                               <m:t>𝑧</m:t>
                             </m:r>
+                          </m:sup>
+                        </m:sSup>
+                        <m:r>
+                          <a:rPr kumimoji="1" lang="en-US" altLang="zh-TW" sz="1600" i="1">
+                            <a:latin typeface="Cambria Math" panose="02040503050406030204" pitchFamily="18" charset="0"/>
+                            <a:ea typeface="Cambria Math" panose="02040503050406030204" pitchFamily="18" charset="0"/>
+                          </a:rPr>
+                          <m:t>∙</m:t>
+                        </m:r>
+                        <m:sSup>
+                          <m:sSupPr>
+                            <m:ctrlPr>
+                              <a:rPr kumimoji="1" lang="en-US" altLang="zh-TW" sz="1600" i="1" smtClean="0">
+                                <a:latin typeface="Cambria Math" panose="02040503050406030204" pitchFamily="18" charset="0"/>
+                                <a:ea typeface="Cambria Math" panose="02040503050406030204" pitchFamily="18" charset="0"/>
+                              </a:rPr>
+                            </m:ctrlPr>
+                          </m:sSupPr>
+                          <m:e>
                             <m:r>
                               <a:rPr kumimoji="1" lang="en-US" altLang="zh-TW" sz="1600" b="0" i="1" smtClean="0">
                                 <a:latin typeface="Cambria Math" panose="02040503050406030204" pitchFamily="18" charset="0"/>
+                                <a:ea typeface="Cambria Math" panose="02040503050406030204" pitchFamily="18" charset="0"/>
                               </a:rPr>
-                              <m:t>−</m:t>
+                              <m:t>𝑔</m:t>
+                            </m:r>
+                          </m:e>
+                          <m:sup>
+                            <m:r>
+                              <a:rPr kumimoji="1" lang="en-US" altLang="zh-TW" sz="1600" b="0" i="1" smtClean="0">
+                                <a:latin typeface="Cambria Math" panose="02040503050406030204" pitchFamily="18" charset="0"/>
+                                <a:ea typeface="Cambria Math" panose="02040503050406030204" pitchFamily="18" charset="0"/>
+                              </a:rPr>
+                              <m:t>𝑎</m:t>
                             </m:r>
                             <m:r>
                               <a:rPr kumimoji="1" lang="en-US" altLang="zh-TW" sz="1600" b="0" i="1" smtClean="0">
                                 <a:latin typeface="Cambria Math" panose="02040503050406030204" pitchFamily="18" charset="0"/>
+                                <a:ea typeface="Cambria Math" panose="02040503050406030204" pitchFamily="18" charset="0"/>
                               </a:rPr>
-                              <m:t>𝑎𝑐</m:t>
+                              <m:t>(−</m:t>
+                            </m:r>
+                            <m:r>
+                              <a:rPr kumimoji="1" lang="en-US" altLang="zh-TW" sz="1600" b="0" i="1" smtClean="0">
+                                <a:latin typeface="Cambria Math" panose="02040503050406030204" pitchFamily="18" charset="0"/>
+                                <a:ea typeface="Cambria Math" panose="02040503050406030204" pitchFamily="18" charset="0"/>
+                              </a:rPr>
+                              <m:t>𝑐</m:t>
+                            </m:r>
+                            <m:r>
+                              <a:rPr kumimoji="1" lang="en-US" altLang="zh-TW" sz="1600" b="0" i="1" smtClean="0">
+                                <a:latin typeface="Cambria Math" panose="02040503050406030204" pitchFamily="18" charset="0"/>
+                                <a:ea typeface="Cambria Math" panose="02040503050406030204" pitchFamily="18" charset="0"/>
+                              </a:rPr>
+                              <m:t>)</m:t>
                             </m:r>
                           </m:sup>
                         </m:sSup>
                         <m:r>
                           <a:rPr kumimoji="1" lang="en-US" altLang="zh-TW" sz="1600" b="0" i="1" smtClean="0">
                             <a:latin typeface="Cambria Math" panose="02040503050406030204" pitchFamily="18" charset="0"/>
+                            <a:ea typeface="Cambria Math" panose="02040503050406030204" pitchFamily="18" charset="0"/>
                           </a:rPr>
                           <m:t> </m:t>
                         </m:r>
@@ -15829,8 +15875,8 @@
               </p:nvSpPr>
               <p:spPr>
                 <a:xfrm>
-                  <a:off x="7296093" y="4347085"/>
-                  <a:ext cx="1784335" cy="338554"/>
+                  <a:off x="7088762" y="4347085"/>
+                  <a:ext cx="2199000" cy="348813"/>
                 </a:xfrm>
                 <a:prstGeom prst="rect">
                   <a:avLst/>
@@ -15838,7 +15884,7 @@
                 <a:blipFill>
                   <a:blip r:embed="rId11"/>
                   <a:stretch>
-                    <a:fillRect b="-14815"/>
+                    <a:fillRect b="-14286"/>
                   </a:stretch>
                 </a:blipFill>
               </p:spPr>
@@ -15874,8 +15920,8 @@
             </p:nvSpPr>
             <p:spPr>
               <a:xfrm>
-                <a:off x="564323" y="5972907"/>
-                <a:ext cx="5257799" cy="390748"/>
+                <a:off x="357802" y="6048703"/>
+                <a:ext cx="6206291" cy="408573"/>
               </a:xfrm>
               <a:prstGeom prst="rect">
                 <a:avLst/>
@@ -16092,6 +16138,191 @@
                       <m:sSup>
                         <m:sSupPr>
                           <m:ctrlPr>
+                            <a:rPr kumimoji="1" lang="en-US" altLang="zh-TW" i="1" smtClean="0">
+                              <a:solidFill>
+                                <a:schemeClr val="bg1">
+                                  <a:lumMod val="75000"/>
+                                </a:schemeClr>
+                              </a:solidFill>
+                              <a:latin typeface="Cambria Math" panose="02040503050406030204" pitchFamily="18" charset="0"/>
+                            </a:rPr>
+                          </m:ctrlPr>
+                        </m:sSupPr>
+                        <m:e>
+                          <m:r>
+                            <a:rPr kumimoji="1" lang="en-US" altLang="zh-TW" i="1">
+                              <a:solidFill>
+                                <a:schemeClr val="bg1">
+                                  <a:lumMod val="75000"/>
+                                </a:schemeClr>
+                              </a:solidFill>
+                              <a:latin typeface="Cambria Math" panose="02040503050406030204" pitchFamily="18" charset="0"/>
+                            </a:rPr>
+                            <m:t>𝑔</m:t>
+                          </m:r>
+                        </m:e>
+                        <m:sup>
+                          <m:r>
+                            <a:rPr kumimoji="1" lang="en-US" altLang="zh-TW" i="1">
+                              <a:solidFill>
+                                <a:schemeClr val="bg1">
+                                  <a:lumMod val="75000"/>
+                                </a:schemeClr>
+                              </a:solidFill>
+                              <a:latin typeface="Cambria Math" panose="02040503050406030204" pitchFamily="18" charset="0"/>
+                            </a:rPr>
+                            <m:t>𝑧</m:t>
+                          </m:r>
+                        </m:sup>
+                      </m:sSup>
+                      <m:r>
+                        <a:rPr kumimoji="1" lang="en-US" altLang="zh-TW" i="1">
+                          <a:solidFill>
+                            <a:schemeClr val="bg1">
+                              <a:lumMod val="75000"/>
+                            </a:schemeClr>
+                          </a:solidFill>
+                          <a:latin typeface="Cambria Math" panose="02040503050406030204" pitchFamily="18" charset="0"/>
+                          <a:ea typeface="Cambria Math" panose="02040503050406030204" pitchFamily="18" charset="0"/>
+                        </a:rPr>
+                        <m:t>∙</m:t>
+                      </m:r>
+                      <m:sSup>
+                        <m:sSupPr>
+                          <m:ctrlPr>
+                            <a:rPr kumimoji="1" lang="en-US" altLang="zh-TW" i="1" smtClean="0">
+                              <a:solidFill>
+                                <a:schemeClr val="bg1">
+                                  <a:lumMod val="75000"/>
+                                </a:schemeClr>
+                              </a:solidFill>
+                              <a:latin typeface="Cambria Math" panose="02040503050406030204" pitchFamily="18" charset="0"/>
+                              <a:ea typeface="Cambria Math" panose="02040503050406030204" pitchFamily="18" charset="0"/>
+                            </a:rPr>
+                          </m:ctrlPr>
+                        </m:sSupPr>
+                        <m:e>
+                          <m:r>
+                            <a:rPr kumimoji="1" lang="en-US" altLang="zh-TW" i="1">
+                              <a:solidFill>
+                                <a:schemeClr val="bg1">
+                                  <a:lumMod val="75000"/>
+                                </a:schemeClr>
+                              </a:solidFill>
+                              <a:latin typeface="Cambria Math" panose="02040503050406030204" pitchFamily="18" charset="0"/>
+                              <a:ea typeface="Cambria Math" panose="02040503050406030204" pitchFamily="18" charset="0"/>
+                            </a:rPr>
+                            <m:t>𝑔</m:t>
+                          </m:r>
+                        </m:e>
+                        <m:sup>
+                          <m:r>
+                            <a:rPr kumimoji="1" lang="en-US" altLang="zh-TW" i="1">
+                              <a:solidFill>
+                                <a:schemeClr val="bg1">
+                                  <a:lumMod val="75000"/>
+                                </a:schemeClr>
+                              </a:solidFill>
+                              <a:latin typeface="Cambria Math" panose="02040503050406030204" pitchFamily="18" charset="0"/>
+                              <a:ea typeface="Cambria Math" panose="02040503050406030204" pitchFamily="18" charset="0"/>
+                            </a:rPr>
+                            <m:t>𝑎</m:t>
+                          </m:r>
+                          <m:r>
+                            <a:rPr kumimoji="1" lang="en-US" altLang="zh-TW" i="1">
+                              <a:solidFill>
+                                <a:schemeClr val="bg1">
+                                  <a:lumMod val="75000"/>
+                                </a:schemeClr>
+                              </a:solidFill>
+                              <a:latin typeface="Cambria Math" panose="02040503050406030204" pitchFamily="18" charset="0"/>
+                              <a:ea typeface="Cambria Math" panose="02040503050406030204" pitchFamily="18" charset="0"/>
+                            </a:rPr>
+                            <m:t>(−</m:t>
+                          </m:r>
+                          <m:r>
+                            <a:rPr kumimoji="1" lang="en-US" altLang="zh-TW" i="1">
+                              <a:solidFill>
+                                <a:schemeClr val="bg1">
+                                  <a:lumMod val="75000"/>
+                                </a:schemeClr>
+                              </a:solidFill>
+                              <a:latin typeface="Cambria Math" panose="02040503050406030204" pitchFamily="18" charset="0"/>
+                              <a:ea typeface="Cambria Math" panose="02040503050406030204" pitchFamily="18" charset="0"/>
+                            </a:rPr>
+                            <m:t>𝑐</m:t>
+                          </m:r>
+                          <m:r>
+                            <a:rPr kumimoji="1" lang="en-US" altLang="zh-TW" i="1">
+                              <a:solidFill>
+                                <a:schemeClr val="bg1">
+                                  <a:lumMod val="75000"/>
+                                </a:schemeClr>
+                              </a:solidFill>
+                              <a:latin typeface="Cambria Math" panose="02040503050406030204" pitchFamily="18" charset="0"/>
+                              <a:ea typeface="Cambria Math" panose="02040503050406030204" pitchFamily="18" charset="0"/>
+                            </a:rPr>
+                            <m:t>)</m:t>
+                          </m:r>
+                        </m:sup>
+                      </m:sSup>
+                      <m:sSub>
+                        <m:sSubPr>
+                          <m:ctrlPr>
+                            <a:rPr kumimoji="1" lang="en-US" altLang="zh-TW" i="1">
+                              <a:solidFill>
+                                <a:schemeClr val="bg1">
+                                  <a:lumMod val="75000"/>
+                                </a:schemeClr>
+                              </a:solidFill>
+                              <a:latin typeface="Cambria Math" panose="02040503050406030204" pitchFamily="18" charset="0"/>
+                              <a:ea typeface="Cambria Math" panose="02040503050406030204" pitchFamily="18" charset="0"/>
+                            </a:rPr>
+                          </m:ctrlPr>
+                        </m:sSubPr>
+                        <m:e>
+                          <m:r>
+                            <a:rPr kumimoji="1" lang="en-US" altLang="zh-TW" i="1">
+                              <a:solidFill>
+                                <a:schemeClr val="bg1">
+                                  <a:lumMod val="75000"/>
+                                </a:schemeClr>
+                              </a:solidFill>
+                              <a:latin typeface="Cambria Math" panose="02040503050406030204" pitchFamily="18" charset="0"/>
+                              <a:ea typeface="Cambria Math" panose="02040503050406030204" pitchFamily="18" charset="0"/>
+                            </a:rPr>
+                            <m:t>≡</m:t>
+                          </m:r>
+                        </m:e>
+                        <m:sub>
+                          <m:r>
+                            <a:rPr kumimoji="1" lang="en-US" altLang="zh-TW" i="1">
+                              <a:solidFill>
+                                <a:schemeClr val="bg1">
+                                  <a:lumMod val="75000"/>
+                                </a:schemeClr>
+                              </a:solidFill>
+                              <a:latin typeface="Cambria Math" panose="02040503050406030204" pitchFamily="18" charset="0"/>
+                              <a:ea typeface="Cambria Math" panose="02040503050406030204" pitchFamily="18" charset="0"/>
+                            </a:rPr>
+                            <m:t>𝑝</m:t>
+                          </m:r>
+                        </m:sub>
+                      </m:sSub>
+                      <m:r>
+                        <a:rPr kumimoji="1" lang="en-US" altLang="zh-TW" i="1">
+                          <a:solidFill>
+                            <a:schemeClr val="bg1">
+                              <a:lumMod val="75000"/>
+                            </a:schemeClr>
+                          </a:solidFill>
+                          <a:latin typeface="Cambria Math" panose="02040503050406030204" pitchFamily="18" charset="0"/>
+                        </a:rPr>
+                        <m:t>(</m:t>
+                      </m:r>
+                      <m:sSup>
+                        <m:sSupPr>
+                          <m:ctrlPr>
                             <a:rPr kumimoji="1" lang="en-US" altLang="zh-TW" i="1">
                               <a:solidFill>
                                 <a:schemeClr val="bg1">
@@ -16117,7 +16348,7 @@
                         </m:e>
                         <m:sup>
                           <m:r>
-                            <a:rPr kumimoji="1" lang="en-US" altLang="zh-TW" b="0" i="1" smtClean="0">
+                            <a:rPr kumimoji="1" lang="en-US" altLang="zh-TW" i="1">
                               <a:solidFill>
                                 <a:schemeClr val="bg1">
                                   <a:lumMod val="75000"/>
@@ -16125,36 +16356,14 @@
                               </a:solidFill>
                               <a:latin typeface="Cambria Math" panose="02040503050406030204" pitchFamily="18" charset="0"/>
                             </a:rPr>
-                            <m:t>𝑧</m:t>
-                          </m:r>
-                          <m:r>
-                            <a:rPr kumimoji="1" lang="en-US" altLang="zh-TW" b="0" i="1" smtClean="0">
-                              <a:solidFill>
-                                <a:schemeClr val="bg1">
-                                  <a:lumMod val="75000"/>
-                                </a:schemeClr>
-                              </a:solidFill>
-                              <a:latin typeface="Cambria Math" panose="02040503050406030204" pitchFamily="18" charset="0"/>
-                            </a:rPr>
-                            <m:t>−</m:t>
-                          </m:r>
-                          <m:r>
-                            <a:rPr kumimoji="1" lang="en-US" altLang="zh-TW" b="0" i="1" smtClean="0">
-                              <a:solidFill>
-                                <a:schemeClr val="bg1">
-                                  <a:lumMod val="75000"/>
-                                </a:schemeClr>
-                              </a:solidFill>
-                              <a:latin typeface="Cambria Math" panose="02040503050406030204" pitchFamily="18" charset="0"/>
-                            </a:rPr>
-                            <m:t>𝑎𝑐</m:t>
+                            <m:t>𝑎</m:t>
                           </m:r>
                         </m:sup>
                       </m:sSup>
                       <m:sSup>
                         <m:sSupPr>
                           <m:ctrlPr>
-                            <a:rPr kumimoji="1" lang="en-US" altLang="zh-TW" b="0" i="1" smtClean="0">
+                            <a:rPr kumimoji="1" lang="en-US" altLang="zh-TW" i="1">
                               <a:solidFill>
                                 <a:schemeClr val="bg1">
                                   <a:lumMod val="75000"/>
@@ -16165,49 +16374,6 @@
                           </m:ctrlPr>
                         </m:sSupPr>
                         <m:e>
-                          <m:sSub>
-                            <m:sSubPr>
-                              <m:ctrlPr>
-                                <a:rPr kumimoji="1" lang="en-US" altLang="zh-TW" i="1" smtClean="0">
-                                  <a:solidFill>
-                                    <a:schemeClr val="bg1">
-                                      <a:lumMod val="75000"/>
-                                    </a:schemeClr>
-                                  </a:solidFill>
-                                  <a:latin typeface="Cambria Math" panose="02040503050406030204" pitchFamily="18" charset="0"/>
-                                  <a:ea typeface="Cambria Math" panose="02040503050406030204" pitchFamily="18" charset="0"/>
-                                </a:rPr>
-                              </m:ctrlPr>
-                            </m:sSubPr>
-                            <m:e>
-                              <m:r>
-                                <a:rPr kumimoji="1" lang="en-US" altLang="zh-TW" i="1">
-                                  <a:solidFill>
-                                    <a:schemeClr val="bg1">
-                                      <a:lumMod val="75000"/>
-                                    </a:schemeClr>
-                                  </a:solidFill>
-                                  <a:latin typeface="Cambria Math" panose="02040503050406030204" pitchFamily="18" charset="0"/>
-                                  <a:ea typeface="Cambria Math" panose="02040503050406030204" pitchFamily="18" charset="0"/>
-                                </a:rPr>
-                                <m:t>≡</m:t>
-                              </m:r>
-                            </m:e>
-                            <m:sub>
-                              <m:r>
-                                <a:rPr kumimoji="1" lang="en-US" altLang="zh-TW" i="1">
-                                  <a:solidFill>
-                                    <a:schemeClr val="bg1">
-                                      <a:lumMod val="75000"/>
-                                    </a:schemeClr>
-                                  </a:solidFill>
-                                  <a:latin typeface="Cambria Math" panose="02040503050406030204" pitchFamily="18" charset="0"/>
-                                  <a:ea typeface="Cambria Math" panose="02040503050406030204" pitchFamily="18" charset="0"/>
-                                </a:rPr>
-                                <m:t>𝑝</m:t>
-                              </m:r>
-                            </m:sub>
-                          </m:sSub>
                           <m:r>
                             <a:rPr kumimoji="1" lang="en-US" altLang="zh-TW" i="1">
                               <a:solidFill>
@@ -16217,88 +16383,10 @@
                               </a:solidFill>
                               <a:latin typeface="Cambria Math" panose="02040503050406030204" pitchFamily="18" charset="0"/>
                             </a:rPr>
-                            <m:t>(</m:t>
+                            <m:t>)</m:t>
                           </m:r>
-                          <m:sSup>
-                            <m:sSupPr>
-                              <m:ctrlPr>
-                                <a:rPr kumimoji="1" lang="en-US" altLang="zh-TW" i="1">
-                                  <a:solidFill>
-                                    <a:schemeClr val="bg1">
-                                      <a:lumMod val="75000"/>
-                                    </a:schemeClr>
-                                  </a:solidFill>
-                                  <a:latin typeface="Cambria Math" panose="02040503050406030204" pitchFamily="18" charset="0"/>
-                                </a:rPr>
-                              </m:ctrlPr>
-                            </m:sSupPr>
-                            <m:e>
-                              <m:r>
-                                <a:rPr kumimoji="1" lang="en-US" altLang="zh-TW" i="1">
-                                  <a:solidFill>
-                                    <a:schemeClr val="bg1">
-                                      <a:lumMod val="75000"/>
-                                    </a:schemeClr>
-                                  </a:solidFill>
-                                  <a:latin typeface="Cambria Math" panose="02040503050406030204" pitchFamily="18" charset="0"/>
-                                </a:rPr>
-                                <m:t>𝑔</m:t>
-                              </m:r>
-                            </m:e>
-                            <m:sup>
-                              <m:r>
-                                <a:rPr kumimoji="1" lang="en-US" altLang="zh-TW" i="1">
-                                  <a:solidFill>
-                                    <a:schemeClr val="bg1">
-                                      <a:lumMod val="75000"/>
-                                    </a:schemeClr>
-                                  </a:solidFill>
-                                  <a:latin typeface="Cambria Math" panose="02040503050406030204" pitchFamily="18" charset="0"/>
-                                </a:rPr>
-                                <m:t>𝑎</m:t>
-                              </m:r>
-                            </m:sup>
-                          </m:sSup>
-                          <m:sSup>
-                            <m:sSupPr>
-                              <m:ctrlPr>
-                                <a:rPr kumimoji="1" lang="en-US" altLang="zh-TW" i="1">
-                                  <a:solidFill>
-                                    <a:schemeClr val="bg1">
-                                      <a:lumMod val="75000"/>
-                                    </a:schemeClr>
-                                  </a:solidFill>
-                                  <a:latin typeface="Cambria Math" panose="02040503050406030204" pitchFamily="18" charset="0"/>
-                                </a:rPr>
-                              </m:ctrlPr>
-                            </m:sSupPr>
-                            <m:e>
-                              <m:r>
-                                <a:rPr kumimoji="1" lang="en-US" altLang="zh-TW" i="1">
-                                  <a:solidFill>
-                                    <a:schemeClr val="bg1">
-                                      <a:lumMod val="75000"/>
-                                    </a:schemeClr>
-                                  </a:solidFill>
-                                  <a:latin typeface="Cambria Math" panose="02040503050406030204" pitchFamily="18" charset="0"/>
-                                </a:rPr>
-                                <m:t>)</m:t>
-                              </m:r>
-                            </m:e>
-                            <m:sup>
-                              <m:r>
-                                <a:rPr kumimoji="1" lang="en-US" altLang="zh-TW" i="1">
-                                  <a:solidFill>
-                                    <a:schemeClr val="bg1">
-                                      <a:lumMod val="75000"/>
-                                    </a:schemeClr>
-                                  </a:solidFill>
-                                  <a:latin typeface="Cambria Math" panose="02040503050406030204" pitchFamily="18" charset="0"/>
-                                </a:rPr>
-                                <m:t>𝑐</m:t>
-                              </m:r>
-                            </m:sup>
-                          </m:sSup>
+                        </m:e>
+                        <m:sup>
                           <m:r>
                             <a:rPr kumimoji="1" lang="en-US" altLang="zh-TW" i="1">
                               <a:solidFill>
@@ -16307,12 +16395,39 @@
                                 </a:schemeClr>
                               </a:solidFill>
                               <a:latin typeface="Cambria Math" panose="02040503050406030204" pitchFamily="18" charset="0"/>
-                              <a:ea typeface="Cambria Math" panose="02040503050406030204" pitchFamily="18" charset="0"/>
                             </a:rPr>
-                            <m:t>∙</m:t>
+                            <m:t>𝑐</m:t>
                           </m:r>
+                        </m:sup>
+                      </m:sSup>
+                      <m:r>
+                        <a:rPr kumimoji="1" lang="en-US" altLang="zh-TW" i="1">
+                          <a:solidFill>
+                            <a:schemeClr val="bg1">
+                              <a:lumMod val="75000"/>
+                            </a:schemeClr>
+                          </a:solidFill>
+                          <a:latin typeface="Cambria Math" panose="02040503050406030204" pitchFamily="18" charset="0"/>
+                          <a:ea typeface="Cambria Math" panose="02040503050406030204" pitchFamily="18" charset="0"/>
+                        </a:rPr>
+                        <m:t>∙</m:t>
+                      </m:r>
+                      <m:sSup>
+                        <m:sSupPr>
+                          <m:ctrlPr>
+                            <a:rPr kumimoji="1" lang="en-US" altLang="zh-TW" i="1">
+                              <a:solidFill>
+                                <a:schemeClr val="bg1">
+                                  <a:lumMod val="75000"/>
+                                </a:schemeClr>
+                              </a:solidFill>
+                              <a:latin typeface="Cambria Math" panose="02040503050406030204" pitchFamily="18" charset="0"/>
+                            </a:rPr>
+                          </m:ctrlPr>
+                        </m:sSupPr>
+                        <m:e>
                           <m:r>
-                            <a:rPr kumimoji="1" lang="en-US" altLang="zh-TW" b="0" i="1" smtClean="0">
+                            <a:rPr kumimoji="1" lang="en-US" altLang="zh-TW" i="1">
                               <a:solidFill>
                                 <a:schemeClr val="bg1">
                                   <a:lumMod val="75000"/>
@@ -16325,7 +16440,7 @@
                         </m:e>
                         <m:sup>
                           <m:r>
-                            <a:rPr kumimoji="1" lang="en-US" altLang="zh-TW" b="0" i="1" smtClean="0">
+                            <a:rPr kumimoji="1" lang="en-US" altLang="zh-TW" i="1">
                               <a:solidFill>
                                 <a:schemeClr val="bg1">
                                   <a:lumMod val="75000"/>
@@ -16335,41 +16450,99 @@
                             </a:rPr>
                             <m:t>𝑧</m:t>
                           </m:r>
-                          <m:r>
-                            <a:rPr kumimoji="1" lang="en-US" altLang="zh-TW" b="0" i="1" smtClean="0">
+                        </m:sup>
+                      </m:sSup>
+                      <m:r>
+                        <a:rPr kumimoji="1" lang="en-US" altLang="zh-TW" i="1">
+                          <a:solidFill>
+                            <a:schemeClr val="bg1">
+                              <a:lumMod val="75000"/>
+                            </a:schemeClr>
+                          </a:solidFill>
+                          <a:latin typeface="Cambria Math" panose="02040503050406030204" pitchFamily="18" charset="0"/>
+                          <a:ea typeface="Cambria Math" panose="02040503050406030204" pitchFamily="18" charset="0"/>
+                        </a:rPr>
+                        <m:t>∙</m:t>
+                      </m:r>
+                      <m:sSup>
+                        <m:sSupPr>
+                          <m:ctrlPr>
+                            <a:rPr kumimoji="1" lang="en-US" altLang="zh-TW" i="1">
                               <a:solidFill>
                                 <a:schemeClr val="bg1">
                                   <a:lumMod val="75000"/>
                                 </a:schemeClr>
                               </a:solidFill>
                               <a:latin typeface="Cambria Math" panose="02040503050406030204" pitchFamily="18" charset="0"/>
+                              <a:ea typeface="Cambria Math" panose="02040503050406030204" pitchFamily="18" charset="0"/>
                             </a:rPr>
-                            <m:t>−</m:t>
-                          </m:r>
+                          </m:ctrlPr>
+                        </m:sSupPr>
+                        <m:e>
                           <m:r>
-                            <a:rPr kumimoji="1" lang="en-US" altLang="zh-TW" b="0" i="1" smtClean="0">
+                            <a:rPr kumimoji="1" lang="en-US" altLang="zh-TW" i="1">
                               <a:solidFill>
                                 <a:schemeClr val="bg1">
                                   <a:lumMod val="75000"/>
                                 </a:schemeClr>
                               </a:solidFill>
                               <a:latin typeface="Cambria Math" panose="02040503050406030204" pitchFamily="18" charset="0"/>
+                              <a:ea typeface="Cambria Math" panose="02040503050406030204" pitchFamily="18" charset="0"/>
                             </a:rPr>
-                            <m:t>𝑎𝑐</m:t>
+                            <m:t>𝑔</m:t>
+                          </m:r>
+                        </m:e>
+                        <m:sup>
+                          <m:r>
+                            <a:rPr kumimoji="1" lang="en-US" altLang="zh-TW" i="1">
+                              <a:solidFill>
+                                <a:schemeClr val="bg1">
+                                  <a:lumMod val="75000"/>
+                                </a:schemeClr>
+                              </a:solidFill>
+                              <a:latin typeface="Cambria Math" panose="02040503050406030204" pitchFamily="18" charset="0"/>
+                              <a:ea typeface="Cambria Math" panose="02040503050406030204" pitchFamily="18" charset="0"/>
+                            </a:rPr>
+                            <m:t>𝑎</m:t>
+                          </m:r>
+                          <m:r>
+                            <a:rPr kumimoji="1" lang="en-US" altLang="zh-TW" i="1">
+                              <a:solidFill>
+                                <a:schemeClr val="bg1">
+                                  <a:lumMod val="75000"/>
+                                </a:schemeClr>
+                              </a:solidFill>
+                              <a:latin typeface="Cambria Math" panose="02040503050406030204" pitchFamily="18" charset="0"/>
+                              <a:ea typeface="Cambria Math" panose="02040503050406030204" pitchFamily="18" charset="0"/>
+                            </a:rPr>
+                            <m:t>(−</m:t>
+                          </m:r>
+                          <m:r>
+                            <a:rPr kumimoji="1" lang="en-US" altLang="zh-TW" i="1">
+                              <a:solidFill>
+                                <a:schemeClr val="bg1">
+                                  <a:lumMod val="75000"/>
+                                </a:schemeClr>
+                              </a:solidFill>
+                              <a:latin typeface="Cambria Math" panose="02040503050406030204" pitchFamily="18" charset="0"/>
+                              <a:ea typeface="Cambria Math" panose="02040503050406030204" pitchFamily="18" charset="0"/>
+                            </a:rPr>
+                            <m:t>𝑐</m:t>
+                          </m:r>
+                          <m:r>
+                            <a:rPr kumimoji="1" lang="en-US" altLang="zh-TW" i="1">
+                              <a:solidFill>
+                                <a:schemeClr val="bg1">
+                                  <a:lumMod val="75000"/>
+                                </a:schemeClr>
+                              </a:solidFill>
+                              <a:latin typeface="Cambria Math" panose="02040503050406030204" pitchFamily="18" charset="0"/>
+                              <a:ea typeface="Cambria Math" panose="02040503050406030204" pitchFamily="18" charset="0"/>
+                            </a:rPr>
+                            <m:t>)</m:t>
                           </m:r>
                         </m:sup>
                       </m:sSup>
-                      <m:r>
-                        <a:rPr kumimoji="1" lang="en-US" altLang="zh-TW" b="0" i="1" smtClean="0">
-                          <a:solidFill>
-                            <a:schemeClr val="bg1">
-                              <a:lumMod val="75000"/>
-                            </a:schemeClr>
-                          </a:solidFill>
-                          <a:latin typeface="Cambria Math" panose="02040503050406030204" pitchFamily="18" charset="0"/>
-                        </a:rPr>
-                        <m:t> </m:t>
-                      </m:r>
                       <m:sSup>
                         <m:sSupPr>
                           <m:ctrlPr>
@@ -16485,8 +16658,8 @@
             </p:nvSpPr>
             <p:spPr>
               <a:xfrm>
-                <a:off x="564323" y="5972907"/>
-                <a:ext cx="5257799" cy="390748"/>
+                <a:off x="357802" y="6048703"/>
+                <a:ext cx="6206291" cy="408573"/>
               </a:xfrm>
               <a:prstGeom prst="rect">
                 <a:avLst/>
@@ -16494,7 +16667,7 @@
               <a:blipFill>
                 <a:blip r:embed="rId12"/>
                 <a:stretch>
-                  <a:fillRect b="-9375"/>
+                  <a:fillRect b="-6061"/>
                 </a:stretch>
               </a:blipFill>
             </p:spPr>
@@ -16841,8 +17014,8 @@
           </a:p>
         </p:txBody>
       </p:sp>
-      <mc:AlternateContent xmlns:mc="http://schemas.openxmlformats.org/markup-compatibility/2006">
-        <mc:Choice xmlns:a14="http://schemas.microsoft.com/office/drawing/2010/main" Requires="a14">
+      <mc:AlternateContent xmlns:mc="http://schemas.openxmlformats.org/markup-compatibility/2006" xmlns:a14="http://schemas.microsoft.com/office/drawing/2010/main">
+        <mc:Choice Requires="a14">
           <p:sp>
             <p:nvSpPr>
               <p:cNvPr id="19" name="內容版面配置區 2">
@@ -17220,7 +17393,7 @@
             </p:txBody>
           </p:sp>
         </mc:Choice>
-        <mc:Fallback>
+        <mc:Fallback xmlns="">
           <p:sp>
             <p:nvSpPr>
               <p:cNvPr id="19" name="內容版面配置區 2">
@@ -17285,8 +17458,8 @@
             <a:chExt cx="6491860" cy="2313262"/>
           </a:xfrm>
         </p:grpSpPr>
-        <mc:AlternateContent xmlns:mc="http://schemas.openxmlformats.org/markup-compatibility/2006">
-          <mc:Choice xmlns:a14="http://schemas.microsoft.com/office/drawing/2010/main" Requires="a14">
+        <mc:AlternateContent xmlns:mc="http://schemas.openxmlformats.org/markup-compatibility/2006" xmlns:a14="http://schemas.microsoft.com/office/drawing/2010/main">
+          <mc:Choice Requires="a14">
             <p:sp>
               <p:nvSpPr>
                 <p:cNvPr id="41" name="文字方塊 40">
@@ -17560,7 +17733,7 @@
               </p:txBody>
             </p:sp>
           </mc:Choice>
-          <mc:Fallback>
+          <mc:Fallback xmlns="">
             <p:sp>
               <p:nvSpPr>
                 <p:cNvPr id="41" name="文字方塊 40">
@@ -17605,8 +17778,8 @@
             </p:sp>
           </mc:Fallback>
         </mc:AlternateContent>
-        <mc:AlternateContent xmlns:mc="http://schemas.openxmlformats.org/markup-compatibility/2006">
-          <mc:Choice xmlns:a14="http://schemas.microsoft.com/office/drawing/2010/main" Requires="a14">
+        <mc:AlternateContent xmlns:mc="http://schemas.openxmlformats.org/markup-compatibility/2006" xmlns:a14="http://schemas.microsoft.com/office/drawing/2010/main">
+          <mc:Choice Requires="a14">
             <p:sp>
               <p:nvSpPr>
                 <p:cNvPr id="42" name="文字方塊 41">
@@ -17832,7 +18005,7 @@
               </p:txBody>
             </p:sp>
           </mc:Choice>
-          <mc:Fallback>
+          <mc:Fallback xmlns="">
             <p:sp>
               <p:nvSpPr>
                 <p:cNvPr id="42" name="文字方塊 41">
@@ -17918,8 +18091,8 @@
             </a:fontRef>
           </p:style>
         </p:cxnSp>
-        <mc:AlternateContent xmlns:mc="http://schemas.openxmlformats.org/markup-compatibility/2006">
-          <mc:Choice xmlns:a14="http://schemas.microsoft.com/office/drawing/2010/main" Requires="a14">
+        <mc:AlternateContent xmlns:mc="http://schemas.openxmlformats.org/markup-compatibility/2006" xmlns:a14="http://schemas.microsoft.com/office/drawing/2010/main">
+          <mc:Choice Requires="a14">
             <p:sp>
               <p:nvSpPr>
                 <p:cNvPr id="48" name="文字方塊 47">
@@ -17993,7 +18166,7 @@
               </p:txBody>
             </p:sp>
           </mc:Choice>
-          <mc:Fallback>
+          <mc:Fallback xmlns="">
             <p:sp>
               <p:nvSpPr>
                 <p:cNvPr id="48" name="文字方塊 47">
@@ -18175,36 +18348,6 @@
           </a:p>
         </p:txBody>
       </p:sp>
-      <p:pic>
-        <p:nvPicPr>
-          <p:cNvPr id="6" name="圖片 5">
-            <a:extLst>
-              <a:ext uri="{FF2B5EF4-FFF2-40B4-BE49-F238E27FC236}">
-                <a16:creationId xmlns:a16="http://schemas.microsoft.com/office/drawing/2014/main" id="{5D6F838D-F182-9800-2D62-11615C808808}"/>
-              </a:ext>
-            </a:extLst>
-          </p:cNvPr>
-          <p:cNvPicPr>
-            <a:picLocks noChangeAspect="1"/>
-          </p:cNvPicPr>
-          <p:nvPr/>
-        </p:nvPicPr>
-        <p:blipFill>
-          <a:blip r:embed="rId3"/>
-          <a:stretch>
-            <a:fillRect/>
-          </a:stretch>
-        </p:blipFill>
-        <p:spPr>
-          <a:xfrm>
-            <a:off x="922864" y="4114800"/>
-            <a:ext cx="10346271" cy="2476500"/>
-          </a:xfrm>
-          <a:prstGeom prst="rect">
-            <a:avLst/>
-          </a:prstGeom>
-        </p:spPr>
-      </p:pic>
       <p:sp>
         <p:nvSpPr>
           <p:cNvPr id="7" name="投影片編號版面配置區 6">
@@ -18234,6 +18377,36 @@
           </a:p>
         </p:txBody>
       </p:sp>
+      <p:pic>
+        <p:nvPicPr>
+          <p:cNvPr id="4" name="圖片 3">
+            <a:extLst>
+              <a:ext uri="{FF2B5EF4-FFF2-40B4-BE49-F238E27FC236}">
+                <a16:creationId xmlns:a16="http://schemas.microsoft.com/office/drawing/2014/main" id="{0F7AB19A-C165-4A15-08F4-AE30B36CF182}"/>
+              </a:ext>
+            </a:extLst>
+          </p:cNvPr>
+          <p:cNvPicPr>
+            <a:picLocks noChangeAspect="1"/>
+          </p:cNvPicPr>
+          <p:nvPr/>
+        </p:nvPicPr>
+        <p:blipFill>
+          <a:blip r:embed="rId3"/>
+          <a:stretch>
+            <a:fillRect/>
+          </a:stretch>
+        </p:blipFill>
+        <p:spPr>
+          <a:xfrm>
+            <a:off x="1075479" y="4023519"/>
+            <a:ext cx="9249747" cy="2293937"/>
+          </a:xfrm>
+          <a:prstGeom prst="rect">
+            <a:avLst/>
+          </a:prstGeom>
+        </p:spPr>
+      </p:pic>
     </p:spTree>
     <p:extLst>
       <p:ext uri="{BB962C8B-B14F-4D97-AF65-F5344CB8AC3E}">
@@ -18327,7 +18500,7 @@
                                           </p:stCondLst>
                                         </p:cTn>
                                         <p:tgtEl>
-                                          <p:spTgt spid="6"/>
+                                          <p:spTgt spid="4"/>
                                         </p:tgtEl>
                                         <p:attrNameLst>
                                           <p:attrName>style.visibility</p:attrName>
@@ -19893,8 +20066,8 @@
           </a:p>
         </p:txBody>
       </p:sp>
-      <mc:AlternateContent xmlns:mc="http://schemas.openxmlformats.org/markup-compatibility/2006">
-        <mc:Choice xmlns:a14="http://schemas.microsoft.com/office/drawing/2010/main" Requires="a14">
+      <mc:AlternateContent xmlns:mc="http://schemas.openxmlformats.org/markup-compatibility/2006" xmlns:a14="http://schemas.microsoft.com/office/drawing/2010/main">
+        <mc:Choice Requires="a14">
           <p:sp>
             <p:nvSpPr>
               <p:cNvPr id="4" name="文字方塊 3">
@@ -19944,7 +20117,7 @@
             </p:txBody>
           </p:sp>
         </mc:Choice>
-        <mc:Fallback>
+        <mc:Fallback xmlns="">
           <p:sp>
             <p:nvSpPr>
               <p:cNvPr id="4" name="文字方塊 3">
@@ -20230,8 +20403,8 @@
           </a:p>
         </p:txBody>
       </p:sp>
-      <mc:AlternateContent xmlns:mc="http://schemas.openxmlformats.org/markup-compatibility/2006">
-        <mc:Choice xmlns:a14="http://schemas.microsoft.com/office/drawing/2010/main" Requires="a14">
+      <mc:AlternateContent xmlns:mc="http://schemas.openxmlformats.org/markup-compatibility/2006" xmlns:a14="http://schemas.microsoft.com/office/drawing/2010/main">
+        <mc:Choice Requires="a14">
           <p:sp>
             <p:nvSpPr>
               <p:cNvPr id="4" name="文字方塊 3">
@@ -20281,7 +20454,7 @@
             </p:txBody>
           </p:sp>
         </mc:Choice>
-        <mc:Fallback>
+        <mc:Fallback xmlns="">
           <p:sp>
             <p:nvSpPr>
               <p:cNvPr id="4" name="文字方塊 3">
@@ -20543,7 +20716,7 @@
               <a:rPr kumimoji="1" lang="en" altLang="zh-TW" sz="2800" dirty="0">
                 <a:latin typeface="Apple SD Gothic Neo" panose="02000300000000000000" pitchFamily="2" charset="-127"/>
               </a:rPr>
-              <a:t>: 	        Protect the verifier from being cheated. 				              → trust issue → scaling issue.</a:t>
+              <a:t>: 	        Protect the verifier from being cheated. 				</a:t>
             </a:r>
             <a:endParaRPr kumimoji="1" lang="en" altLang="zh-TW" sz="2800" dirty="0">
               <a:solidFill>
@@ -20568,13 +20741,13 @@
               <a:rPr kumimoji="1" lang="en" altLang="zh-TW" sz="2800" dirty="0">
                 <a:latin typeface="Apple SD Gothic Neo" panose="02000300000000000000" pitchFamily="2" charset="-127"/>
               </a:rPr>
-              <a:t>: Protect the prover from information leakage.  				    → privacy issue.</a:t>
+              <a:t>: Protect the prover from information leakage.  </a:t>
             </a:r>
           </a:p>
         </p:txBody>
       </p:sp>
-      <mc:AlternateContent xmlns:mc="http://schemas.openxmlformats.org/markup-compatibility/2006">
-        <mc:Choice xmlns:a14="http://schemas.microsoft.com/office/drawing/2010/main" Requires="a14">
+      <mc:AlternateContent xmlns:mc="http://schemas.openxmlformats.org/markup-compatibility/2006" xmlns:a14="http://schemas.microsoft.com/office/drawing/2010/main">
+        <mc:Choice Requires="a14">
           <p:sp>
             <p:nvSpPr>
               <p:cNvPr id="4" name="文字方塊 3">
@@ -20624,7 +20797,7 @@
             </p:txBody>
           </p:sp>
         </mc:Choice>
-        <mc:Fallback>
+        <mc:Fallback xmlns="">
           <p:sp>
             <p:nvSpPr>
               <p:cNvPr id="4" name="文字方塊 3">
@@ -20740,6 +20913,92 @@
           </a:p>
         </p:txBody>
       </p:sp>
+      <p:sp>
+        <p:nvSpPr>
+          <p:cNvPr id="9" name="文字方塊 8">
+            <a:extLst>
+              <a:ext uri="{FF2B5EF4-FFF2-40B4-BE49-F238E27FC236}">
+                <a16:creationId xmlns:a16="http://schemas.microsoft.com/office/drawing/2014/main" id="{4D8F3592-4186-704A-CDB7-6C8D6B23A4F4}"/>
+              </a:ext>
+            </a:extLst>
+          </p:cNvPr>
+          <p:cNvSpPr txBox="1"/>
+          <p:nvPr/>
+        </p:nvSpPr>
+        <p:spPr>
+          <a:xfrm>
+            <a:off x="4879390" y="4510141"/>
+            <a:ext cx="2460930" cy="523220"/>
+          </a:xfrm>
+          <a:prstGeom prst="rect">
+            <a:avLst/>
+          </a:prstGeom>
+          <a:noFill/>
+        </p:spPr>
+        <p:txBody>
+          <a:bodyPr wrap="none" rtlCol="0">
+            <a:spAutoFit/>
+          </a:bodyPr>
+          <a:lstStyle/>
+          <a:p>
+            <a:r>
+              <a:rPr kumimoji="1" lang="en" altLang="zh-TW" sz="2800" dirty="0">
+                <a:latin typeface="Apple SD Gothic Neo" panose="02000300000000000000" pitchFamily="2" charset="-127"/>
+              </a:rPr>
+              <a:t>→ privacy issue</a:t>
+            </a:r>
+            <a:endParaRPr kumimoji="1" lang="en" altLang="zh-TW" sz="2800" dirty="0">
+              <a:solidFill>
+                <a:schemeClr val="bg1"/>
+              </a:solidFill>
+              <a:latin typeface="Apple SD Gothic Neo" panose="02000300000000000000" pitchFamily="2" charset="-127"/>
+            </a:endParaRPr>
+          </a:p>
+        </p:txBody>
+      </p:sp>
+      <p:sp>
+        <p:nvSpPr>
+          <p:cNvPr id="10" name="文字方塊 9">
+            <a:extLst>
+              <a:ext uri="{FF2B5EF4-FFF2-40B4-BE49-F238E27FC236}">
+                <a16:creationId xmlns:a16="http://schemas.microsoft.com/office/drawing/2014/main" id="{F4964ED2-C1AC-335F-7526-BC4DCD85F84C}"/>
+              </a:ext>
+            </a:extLst>
+          </p:cNvPr>
+          <p:cNvSpPr txBox="1"/>
+          <p:nvPr/>
+        </p:nvSpPr>
+        <p:spPr>
+          <a:xfrm>
+            <a:off x="4893245" y="3595859"/>
+            <a:ext cx="4479111" cy="523220"/>
+          </a:xfrm>
+          <a:prstGeom prst="rect">
+            <a:avLst/>
+          </a:prstGeom>
+          <a:noFill/>
+        </p:spPr>
+        <p:txBody>
+          <a:bodyPr wrap="none" rtlCol="0">
+            <a:spAutoFit/>
+          </a:bodyPr>
+          <a:lstStyle/>
+          <a:p>
+            <a:r>
+              <a:rPr kumimoji="1" lang="en" altLang="zh-TW" sz="2800" dirty="0">
+                <a:latin typeface="Apple SD Gothic Neo" panose="02000300000000000000" pitchFamily="2" charset="-127"/>
+              </a:rPr>
+              <a:t>→ trust issue → scaling issue</a:t>
+            </a:r>
+            <a:endParaRPr kumimoji="1" lang="en" altLang="zh-TW" sz="2800" dirty="0">
+              <a:solidFill>
+                <a:schemeClr val="bg1"/>
+              </a:solidFill>
+              <a:latin typeface="Apple SD Gothic Neo" panose="02000300000000000000" pitchFamily="2" charset="-127"/>
+            </a:endParaRPr>
+          </a:p>
+        </p:txBody>
+      </p:sp>
     </p:spTree>
     <p:extLst>
       <p:ext uri="{BB962C8B-B14F-4D97-AF65-F5344CB8AC3E}">
@@ -20750,6 +21009,112 @@
   <p:clrMapOvr>
     <a:masterClrMapping/>
   </p:clrMapOvr>
+  <p:timing>
+    <p:tnLst>
+      <p:par>
+        <p:cTn id="1" dur="indefinite" restart="never" nodeType="tmRoot">
+          <p:childTnLst>
+            <p:seq concurrent="1" nextAc="seek">
+              <p:cTn id="2" dur="indefinite" nodeType="mainSeq">
+                <p:childTnLst>
+                  <p:par>
+                    <p:cTn id="3" fill="hold">
+                      <p:stCondLst>
+                        <p:cond delay="indefinite"/>
+                      </p:stCondLst>
+                      <p:childTnLst>
+                        <p:par>
+                          <p:cTn id="4" fill="hold">
+                            <p:stCondLst>
+                              <p:cond delay="0"/>
+                            </p:stCondLst>
+                            <p:childTnLst>
+                              <p:par>
+                                <p:cTn id="5" presetID="1" presetClass="entr" presetSubtype="0" fill="hold" grpId="0" nodeType="clickEffect">
+                                  <p:stCondLst>
+                                    <p:cond delay="0"/>
+                                  </p:stCondLst>
+                                  <p:childTnLst>
+                                    <p:set>
+                                      <p:cBhvr>
+                                        <p:cTn id="6" dur="1" fill="hold">
+                                          <p:stCondLst>
+                                            <p:cond delay="0"/>
+                                          </p:stCondLst>
+                                        </p:cTn>
+                                        <p:tgtEl>
+                                          <p:spTgt spid="9"/>
+                                        </p:tgtEl>
+                                        <p:attrNameLst>
+                                          <p:attrName>style.visibility</p:attrName>
+                                        </p:attrNameLst>
+                                      </p:cBhvr>
+                                      <p:to>
+                                        <p:strVal val="visible"/>
+                                      </p:to>
+                                    </p:set>
+                                  </p:childTnLst>
+                                </p:cTn>
+                              </p:par>
+                              <p:par>
+                                <p:cTn id="7" presetID="1" presetClass="entr" presetSubtype="0" fill="hold" grpId="0" nodeType="withEffect">
+                                  <p:stCondLst>
+                                    <p:cond delay="0"/>
+                                  </p:stCondLst>
+                                  <p:childTnLst>
+                                    <p:set>
+                                      <p:cBhvr>
+                                        <p:cTn id="8" dur="1" fill="hold">
+                                          <p:stCondLst>
+                                            <p:cond delay="0"/>
+                                          </p:stCondLst>
+                                        </p:cTn>
+                                        <p:tgtEl>
+                                          <p:spTgt spid="10"/>
+                                        </p:tgtEl>
+                                        <p:attrNameLst>
+                                          <p:attrName>style.visibility</p:attrName>
+                                        </p:attrNameLst>
+                                      </p:cBhvr>
+                                      <p:to>
+                                        <p:strVal val="visible"/>
+                                      </p:to>
+                                    </p:set>
+                                  </p:childTnLst>
+                                </p:cTn>
+                              </p:par>
+                            </p:childTnLst>
+                          </p:cTn>
+                        </p:par>
+                      </p:childTnLst>
+                    </p:cTn>
+                  </p:par>
+                </p:childTnLst>
+              </p:cTn>
+              <p:prevCondLst>
+                <p:cond evt="onPrev" delay="0">
+                  <p:tgtEl>
+                    <p:sldTgt/>
+                  </p:tgtEl>
+                </p:cond>
+              </p:prevCondLst>
+              <p:nextCondLst>
+                <p:cond evt="onNext" delay="0">
+                  <p:tgtEl>
+                    <p:sldTgt/>
+                  </p:tgtEl>
+                </p:cond>
+              </p:nextCondLst>
+            </p:seq>
+          </p:childTnLst>
+        </p:cTn>
+      </p:par>
+    </p:tnLst>
+    <p:bldLst>
+      <p:bldP spid="9" grpId="0"/>
+      <p:bldP spid="10" grpId="0"/>
+    </p:bldLst>
+  </p:timing>
 </p:sld>
 </file>
 

--- a/Presentation/PSE Summer Module 1 -  Overview of Zero Knowledge Proofs .pptx
+++ b/Presentation/PSE Summer Module 1 -  Overview of Zero Knowledge Proofs .pptx
@@ -220,7 +220,7 @@
           <a:p>
             <a:fld id="{98651CFC-A194-4F46-B276-B3B03D454046}" type="datetimeFigureOut">
               <a:rPr kumimoji="1" lang="zh-TW" altLang="en-US" smtClean="0"/>
-              <a:t>2023/8/2</a:t>
+              <a:t>2023/8/18</a:t>
             </a:fld>
             <a:endParaRPr kumimoji="1" lang="zh-TW" altLang="en-US"/>
           </a:p>
@@ -1379,6 +1379,31 @@
           <a:bodyPr/>
           <a:lstStyle/>
           <a:p>
+            <a:r>
+              <a:rPr kumimoji="1" lang="en" altLang="zh-TW" dirty="0"/>
+              <a:t>https://</a:t>
+            </a:r>
+            <a:r>
+              <a:rPr kumimoji="1" lang="en" altLang="zh-TW" dirty="0" err="1"/>
+              <a:t>www.cryptologie.net</a:t>
+            </a:r>
+            <a:r>
+              <a:rPr kumimoji="1" lang="en" altLang="zh-TW" dirty="0"/>
+              <a:t>/article/193/</a:t>
+            </a:r>
+            <a:r>
+              <a:rPr kumimoji="1" lang="en" altLang="zh-TW" dirty="0" err="1"/>
+              <a:t>schnorrs</a:t>
+            </a:r>
+            <a:r>
+              <a:rPr kumimoji="1" lang="en" altLang="zh-TW" dirty="0"/>
+              <a:t>-signature-and-non-interactive-protocols/</a:t>
+            </a:r>
+          </a:p>
+          <a:p>
+            <a:endParaRPr kumimoji="1" lang="en-US" altLang="zh-TW" dirty="0"/>
+          </a:p>
+          <a:p>
             <a:endParaRPr kumimoji="1" lang="zh-TW" altLang="en-US" dirty="0"/>
           </a:p>
         </p:txBody>
@@ -2447,7 +2472,7 @@
           <a:p>
             <a:fld id="{5E61E245-A1A1-774D-9457-61DAA15A9D41}" type="datetime1">
               <a:rPr kumimoji="1" lang="zh-TW" altLang="en-US" smtClean="0"/>
-              <a:t>2023/8/2</a:t>
+              <a:t>2023/8/18</a:t>
             </a:fld>
             <a:endParaRPr kumimoji="1" lang="zh-TW" altLang="en-US"/>
           </a:p>
@@ -2645,7 +2670,7 @@
           <a:p>
             <a:fld id="{3731FF8F-A408-A14A-8F67-F35EA255F242}" type="datetime1">
               <a:rPr kumimoji="1" lang="zh-TW" altLang="en-US" smtClean="0"/>
-              <a:t>2023/8/2</a:t>
+              <a:t>2023/8/18</a:t>
             </a:fld>
             <a:endParaRPr kumimoji="1" lang="zh-TW" altLang="en-US"/>
           </a:p>
@@ -2853,7 +2878,7 @@
           <a:p>
             <a:fld id="{B1A2BA4B-4B4D-A048-8B19-289C7CBC8FCA}" type="datetime1">
               <a:rPr kumimoji="1" lang="zh-TW" altLang="en-US" smtClean="0"/>
-              <a:t>2023/8/2</a:t>
+              <a:t>2023/8/18</a:t>
             </a:fld>
             <a:endParaRPr kumimoji="1" lang="zh-TW" altLang="en-US"/>
           </a:p>
@@ -3051,7 +3076,7 @@
           <a:p>
             <a:fld id="{CF531817-6E7A-1240-B244-CA147604B83F}" type="datetime1">
               <a:rPr kumimoji="1" lang="zh-TW" altLang="en-US" smtClean="0"/>
-              <a:t>2023/8/2</a:t>
+              <a:t>2023/8/18</a:t>
             </a:fld>
             <a:endParaRPr kumimoji="1" lang="zh-TW" altLang="en-US"/>
           </a:p>
@@ -3326,7 +3351,7 @@
           <a:p>
             <a:fld id="{A05FCE74-AF19-ED49-861E-E060A19860DE}" type="datetime1">
               <a:rPr kumimoji="1" lang="zh-TW" altLang="en-US" smtClean="0"/>
-              <a:t>2023/8/2</a:t>
+              <a:t>2023/8/18</a:t>
             </a:fld>
             <a:endParaRPr kumimoji="1" lang="zh-TW" altLang="en-US"/>
           </a:p>
@@ -3591,7 +3616,7 @@
           <a:p>
             <a:fld id="{2979C3A3-9BA1-8740-AACD-A3EC2C7E9E3A}" type="datetime1">
               <a:rPr kumimoji="1" lang="zh-TW" altLang="en-US" smtClean="0"/>
-              <a:t>2023/8/2</a:t>
+              <a:t>2023/8/18</a:t>
             </a:fld>
             <a:endParaRPr kumimoji="1" lang="zh-TW" altLang="en-US"/>
           </a:p>
@@ -4003,7 +4028,7 @@
           <a:p>
             <a:fld id="{D99795C9-160F-D549-934C-880FA41C6CCE}" type="datetime1">
               <a:rPr kumimoji="1" lang="zh-TW" altLang="en-US" smtClean="0"/>
-              <a:t>2023/8/2</a:t>
+              <a:t>2023/8/18</a:t>
             </a:fld>
             <a:endParaRPr kumimoji="1" lang="zh-TW" altLang="en-US"/>
           </a:p>
@@ -4144,7 +4169,7 @@
           <a:p>
             <a:fld id="{4993715D-CB53-8847-9F51-3423D42FBAC7}" type="datetime1">
               <a:rPr kumimoji="1" lang="zh-TW" altLang="en-US" smtClean="0"/>
-              <a:t>2023/8/2</a:t>
+              <a:t>2023/8/18</a:t>
             </a:fld>
             <a:endParaRPr kumimoji="1" lang="zh-TW" altLang="en-US"/>
           </a:p>
@@ -4257,7 +4282,7 @@
           <a:p>
             <a:fld id="{901FDF19-DEE1-6B46-AD6B-0E92993B5BA7}" type="datetime1">
               <a:rPr kumimoji="1" lang="zh-TW" altLang="en-US" smtClean="0"/>
-              <a:t>2023/8/2</a:t>
+              <a:t>2023/8/18</a:t>
             </a:fld>
             <a:endParaRPr kumimoji="1" lang="zh-TW" altLang="en-US"/>
           </a:p>
@@ -4568,7 +4593,7 @@
           <a:p>
             <a:fld id="{EDDF9E55-602A-9C4B-9628-4B8D97C997D0}" type="datetime1">
               <a:rPr kumimoji="1" lang="zh-TW" altLang="en-US" smtClean="0"/>
-              <a:t>2023/8/2</a:t>
+              <a:t>2023/8/18</a:t>
             </a:fld>
             <a:endParaRPr kumimoji="1" lang="zh-TW" altLang="en-US"/>
           </a:p>
@@ -4856,7 +4881,7 @@
           <a:p>
             <a:fld id="{4E8E6F23-5637-6E43-B41C-FA339E39A619}" type="datetime1">
               <a:rPr kumimoji="1" lang="zh-TW" altLang="en-US" smtClean="0"/>
-              <a:t>2023/8/2</a:t>
+              <a:t>2023/8/18</a:t>
             </a:fld>
             <a:endParaRPr kumimoji="1" lang="zh-TW" altLang="en-US"/>
           </a:p>
@@ -5097,7 +5122,7 @@
           <a:p>
             <a:fld id="{85A3EA23-88C3-3642-A727-D3C5DE84F158}" type="datetime1">
               <a:rPr kumimoji="1" lang="zh-TW" altLang="en-US" smtClean="0"/>
-              <a:t>2023/8/2</a:t>
+              <a:t>2023/8/18</a:t>
             </a:fld>
             <a:endParaRPr kumimoji="1" lang="zh-TW" altLang="en-US"/>
           </a:p>
@@ -8148,8 +8173,8 @@
           </a:p>
         </p:txBody>
       </p:sp>
-      <mc:AlternateContent xmlns:mc="http://schemas.openxmlformats.org/markup-compatibility/2006">
-        <mc:Choice xmlns:a14="http://schemas.microsoft.com/office/drawing/2010/main" Requires="a14">
+      <mc:AlternateContent xmlns:mc="http://schemas.openxmlformats.org/markup-compatibility/2006" xmlns:a14="http://schemas.microsoft.com/office/drawing/2010/main">
+        <mc:Choice Requires="a14">
           <p:sp>
             <p:nvSpPr>
               <p:cNvPr id="52" name="內容版面配置區 2">
@@ -8624,7 +8649,7 @@
             </p:txBody>
           </p:sp>
         </mc:Choice>
-        <mc:Fallback>
+        <mc:Fallback xmlns="">
           <p:sp>
             <p:nvSpPr>
               <p:cNvPr id="52" name="內容版面配置區 2">
@@ -13312,8 +13337,8 @@
             </p:sp>
           </mc:Fallback>
         </mc:AlternateContent>
-        <mc:AlternateContent xmlns:mc="http://schemas.openxmlformats.org/markup-compatibility/2006">
-          <mc:Choice xmlns:a14="http://schemas.microsoft.com/office/drawing/2010/main" Requires="a14">
+        <mc:AlternateContent xmlns:mc="http://schemas.openxmlformats.org/markup-compatibility/2006" xmlns:a14="http://schemas.microsoft.com/office/drawing/2010/main">
+          <mc:Choice Requires="a14">
             <p:sp>
               <p:nvSpPr>
                 <p:cNvPr id="70" name="文字方塊 69">
@@ -13421,13 +13446,7 @@
                           <a:rPr kumimoji="1" lang="en-US" altLang="zh-TW" sz="1600" b="0" i="1" smtClean="0">
                             <a:latin typeface="Cambria Math" panose="02040503050406030204" pitchFamily="18" charset="0"/>
                           </a:rPr>
-                          <m:t>)</m:t>
-                        </m:r>
-                        <m:r>
-                          <a:rPr kumimoji="1" lang="en-US" altLang="zh-TW" sz="1600" b="0" i="1" smtClean="0">
-                            <a:latin typeface="Cambria Math" panose="02040503050406030204" pitchFamily="18" charset="0"/>
-                          </a:rPr>
-                          <m:t>+</m:t>
+                          <m:t>)+</m:t>
                         </m:r>
                         <m:r>
                           <a:rPr kumimoji="1" lang="en-US" altLang="zh-TW" sz="1600" b="0" i="1" smtClean="0">
@@ -13467,7 +13486,7 @@
               </p:txBody>
             </p:sp>
           </mc:Choice>
-          <mc:Fallback>
+          <mc:Fallback xmlns="">
             <p:sp>
               <p:nvSpPr>
                 <p:cNvPr id="70" name="文字方塊 69">
@@ -15692,8 +15711,8 @@
             </a:fontRef>
           </p:style>
         </p:cxnSp>
-        <mc:AlternateContent xmlns:mc="http://schemas.openxmlformats.org/markup-compatibility/2006">
-          <mc:Choice xmlns:a14="http://schemas.microsoft.com/office/drawing/2010/main" Requires="a14">
+        <mc:AlternateContent xmlns:mc="http://schemas.openxmlformats.org/markup-compatibility/2006" xmlns:a14="http://schemas.microsoft.com/office/drawing/2010/main">
+          <mc:Choice Requires="a14">
             <p:sp>
               <p:nvSpPr>
                 <p:cNvPr id="18" name="文字方塊 17">
@@ -15858,7 +15877,7 @@
               </p:txBody>
             </p:sp>
           </mc:Choice>
-          <mc:Fallback>
+          <mc:Fallback xmlns="">
             <p:sp>
               <p:nvSpPr>
                 <p:cNvPr id="18" name="文字方塊 17">
@@ -15904,8 +15923,8 @@
           </mc:Fallback>
         </mc:AlternateContent>
       </p:grpSp>
-      <mc:AlternateContent xmlns:mc="http://schemas.openxmlformats.org/markup-compatibility/2006">
-        <mc:Choice xmlns:a14="http://schemas.microsoft.com/office/drawing/2010/main" Requires="a14">
+      <mc:AlternateContent xmlns:mc="http://schemas.openxmlformats.org/markup-compatibility/2006" xmlns:a14="http://schemas.microsoft.com/office/drawing/2010/main">
+        <mc:Choice Requires="a14">
           <p:sp>
             <p:nvSpPr>
               <p:cNvPr id="20" name="文字方塊 19">
@@ -16641,7 +16660,7 @@
             </p:txBody>
           </p:sp>
         </mc:Choice>
-        <mc:Fallback>
+        <mc:Fallback xmlns="">
           <p:sp>
             <p:nvSpPr>
               <p:cNvPr id="20" name="文字方塊 19">
@@ -17452,14 +17471,14 @@
         </p:nvGrpSpPr>
         <p:grpSpPr>
           <a:xfrm>
-            <a:off x="2913262" y="3505815"/>
-            <a:ext cx="6491860" cy="2313262"/>
-            <a:chOff x="2664943" y="4154565"/>
-            <a:chExt cx="6491860" cy="2313262"/>
+            <a:off x="2887615" y="3505815"/>
+            <a:ext cx="6517508" cy="2313262"/>
+            <a:chOff x="2639296" y="4154565"/>
+            <a:chExt cx="6517508" cy="2313262"/>
           </a:xfrm>
         </p:grpSpPr>
-        <mc:AlternateContent xmlns:mc="http://schemas.openxmlformats.org/markup-compatibility/2006" xmlns:a14="http://schemas.microsoft.com/office/drawing/2010/main">
-          <mc:Choice Requires="a14">
+        <mc:AlternateContent xmlns:mc="http://schemas.openxmlformats.org/markup-compatibility/2006">
+          <mc:Choice xmlns:a14="http://schemas.microsoft.com/office/drawing/2010/main" Requires="a14">
             <p:sp>
               <p:nvSpPr>
                 <p:cNvPr id="41" name="文字方塊 40">
@@ -17474,8 +17493,8 @@
               </p:nvSpPr>
               <p:spPr>
                 <a:xfrm>
-                  <a:off x="2664943" y="4154565"/>
-                  <a:ext cx="2352182" cy="2313262"/>
+                  <a:off x="2639296" y="4154565"/>
+                  <a:ext cx="2403479" cy="2313262"/>
                 </a:xfrm>
                 <a:prstGeom prst="rect">
                   <a:avLst/>
@@ -17688,19 +17707,25 @@
                         <a:rPr kumimoji="1" lang="en-US" altLang="zh-TW" b="0" i="1" smtClean="0">
                           <a:latin typeface="Cambria Math" panose="02040503050406030204" pitchFamily="18" charset="0"/>
                         </a:rPr>
-                        <m:t>𝑎𝑐</m:t>
+                        <m:t>𝑘</m:t>
                       </m:r>
                       <m:r>
                         <a:rPr kumimoji="1" lang="en-US" altLang="zh-TW" b="0" i="1" smtClean="0">
                           <a:latin typeface="Cambria Math" panose="02040503050406030204" pitchFamily="18" charset="0"/>
                         </a:rPr>
-                        <m:t>+</m:t>
+                        <m:t>−</m:t>
                       </m:r>
                       <m:r>
                         <a:rPr kumimoji="1" lang="en-US" altLang="zh-TW" b="0" i="1" smtClean="0">
                           <a:latin typeface="Cambria Math" panose="02040503050406030204" pitchFamily="18" charset="0"/>
                         </a:rPr>
-                        <m:t>𝑘</m:t>
+                        <m:t>𝑎</m:t>
+                      </m:r>
+                      <m:r>
+                        <a:rPr kumimoji="1" lang="en-US" altLang="zh-TW" b="0" i="1" smtClean="0">
+                          <a:latin typeface="Cambria Math" panose="02040503050406030204" pitchFamily="18" charset="0"/>
+                        </a:rPr>
+                        <m:t>𝑐</m:t>
                       </m:r>
                       <m:r>
                         <a:rPr kumimoji="1" lang="en-US" altLang="zh-TW" b="0" i="1" smtClean="0">
@@ -17733,7 +17758,7 @@
               </p:txBody>
             </p:sp>
           </mc:Choice>
-          <mc:Fallback xmlns="">
+          <mc:Fallback>
             <p:sp>
               <p:nvSpPr>
                 <p:cNvPr id="41" name="文字方塊 40">
@@ -17750,8 +17775,8 @@
               </p:nvSpPr>
               <p:spPr>
                 <a:xfrm>
-                  <a:off x="2664943" y="4154565"/>
-                  <a:ext cx="2352182" cy="2313262"/>
+                  <a:off x="2639296" y="4154565"/>
+                  <a:ext cx="2403479" cy="2313262"/>
                 </a:xfrm>
                 <a:prstGeom prst="rect">
                   <a:avLst/>
@@ -17759,7 +17784,7 @@
                 <a:blipFill>
                   <a:blip r:embed="rId4"/>
                   <a:stretch>
-                    <a:fillRect l="-1613" t="-1093" b="-2732"/>
+                    <a:fillRect l="-526" t="-1093" b="-2732"/>
                   </a:stretch>
                 </a:blipFill>
               </p:spPr>
@@ -17778,8 +17803,8 @@
             </p:sp>
           </mc:Fallback>
         </mc:AlternateContent>
-        <mc:AlternateContent xmlns:mc="http://schemas.openxmlformats.org/markup-compatibility/2006" xmlns:a14="http://schemas.microsoft.com/office/drawing/2010/main">
-          <mc:Choice Requires="a14">
+        <mc:AlternateContent xmlns:mc="http://schemas.openxmlformats.org/markup-compatibility/2006">
+          <mc:Choice xmlns:a14="http://schemas.microsoft.com/office/drawing/2010/main" Requires="a14">
             <p:sp>
               <p:nvSpPr>
                 <p:cNvPr id="42" name="文字方塊 41">
@@ -17795,7 +17820,7 @@
               <p:spPr>
                 <a:xfrm>
                   <a:off x="7528858" y="4159943"/>
-                  <a:ext cx="1627945" cy="2052741"/>
+                  <a:ext cx="1627946" cy="2052741"/>
                 </a:xfrm>
                 <a:prstGeom prst="rect">
                   <a:avLst/>
@@ -17905,31 +17930,12 @@
                         <m:jc m:val="centerGroup"/>
                       </m:oMathParaPr>
                       <m:oMath xmlns:m="http://schemas.openxmlformats.org/officeDocument/2006/math">
-                        <m:sSup>
-                          <m:sSupPr>
-                            <m:ctrlPr>
-                              <a:rPr kumimoji="1" lang="en-US" altLang="zh-TW" i="1" smtClean="0">
-                                <a:latin typeface="Cambria Math" panose="02040503050406030204" pitchFamily="18" charset="0"/>
-                              </a:rPr>
-                            </m:ctrlPr>
-                          </m:sSupPr>
-                          <m:e>
-                            <m:r>
-                              <a:rPr kumimoji="1" lang="en-US" altLang="zh-TW" b="0" i="1" smtClean="0">
-                                <a:latin typeface="Cambria Math" panose="02040503050406030204" pitchFamily="18" charset="0"/>
-                              </a:rPr>
-                              <m:t>𝑔</m:t>
-                            </m:r>
-                          </m:e>
-                          <m:sup>
-                            <m:r>
-                              <a:rPr kumimoji="1" lang="en-US" altLang="zh-TW" b="0" i="1" smtClean="0">
-                                <a:latin typeface="Cambria Math" panose="02040503050406030204" pitchFamily="18" charset="0"/>
-                              </a:rPr>
-                              <m:t>𝑧</m:t>
-                            </m:r>
-                          </m:sup>
-                        </m:sSup>
+                        <m:r>
+                          <a:rPr kumimoji="1" lang="en-US" altLang="zh-TW" i="1" smtClean="0">
+                            <a:latin typeface="Cambria Math" panose="02040503050406030204" pitchFamily="18" charset="0"/>
+                          </a:rPr>
+                          <m:t>h</m:t>
+                        </m:r>
                         <m:sSub>
                           <m:sSubPr>
                             <m:ctrlPr>
@@ -17990,13 +17996,31 @@
                           </a:rPr>
                           <m:t>∙</m:t>
                         </m:r>
-                        <m:r>
-                          <a:rPr kumimoji="1" lang="en-US" altLang="zh-TW" b="0" i="1" smtClean="0">
-                            <a:latin typeface="Cambria Math" panose="02040503050406030204" pitchFamily="18" charset="0"/>
-                            <a:ea typeface="Cambria Math" panose="02040503050406030204" pitchFamily="18" charset="0"/>
-                          </a:rPr>
-                          <m:t>h</m:t>
-                        </m:r>
+                        <m:sSup>
+                          <m:sSupPr>
+                            <m:ctrlPr>
+                              <a:rPr kumimoji="1" lang="en-US" altLang="zh-TW" i="1" dirty="0">
+                                <a:latin typeface="Cambria Math" panose="02040503050406030204" pitchFamily="18" charset="0"/>
+                              </a:rPr>
+                            </m:ctrlPr>
+                          </m:sSupPr>
+                          <m:e>
+                            <m:r>
+                              <a:rPr kumimoji="1" lang="en-US" altLang="zh-TW" i="1" dirty="0">
+                                <a:latin typeface="Cambria Math" panose="02040503050406030204" pitchFamily="18" charset="0"/>
+                              </a:rPr>
+                              <m:t>𝑔</m:t>
+                            </m:r>
+                          </m:e>
+                          <m:sup>
+                            <m:r>
+                              <a:rPr kumimoji="1" lang="en-US" altLang="zh-TW" b="0" i="1" dirty="0" smtClean="0">
+                                <a:latin typeface="Cambria Math" panose="02040503050406030204" pitchFamily="18" charset="0"/>
+                              </a:rPr>
+                              <m:t>𝑧</m:t>
+                            </m:r>
+                          </m:sup>
+                        </m:sSup>
                       </m:oMath>
                     </m:oMathPara>
                   </a14:m>
@@ -18005,7 +18029,7 @@
               </p:txBody>
             </p:sp>
           </mc:Choice>
-          <mc:Fallback xmlns="">
+          <mc:Fallback>
             <p:sp>
               <p:nvSpPr>
                 <p:cNvPr id="42" name="文字方塊 41">
@@ -18023,7 +18047,7 @@
               <p:spPr>
                 <a:xfrm>
                   <a:off x="7528858" y="4159943"/>
-                  <a:ext cx="1627945" cy="2052741"/>
+                  <a:ext cx="1627946" cy="2052741"/>
                 </a:xfrm>
                 <a:prstGeom prst="rect">
                   <a:avLst/>
@@ -18091,8 +18115,8 @@
             </a:fontRef>
           </p:style>
         </p:cxnSp>
-        <mc:AlternateContent xmlns:mc="http://schemas.openxmlformats.org/markup-compatibility/2006" xmlns:a14="http://schemas.microsoft.com/office/drawing/2010/main">
-          <mc:Choice Requires="a14">
+        <mc:AlternateContent xmlns:mc="http://schemas.openxmlformats.org/markup-compatibility/2006">
+          <mc:Choice xmlns:a14="http://schemas.microsoft.com/office/drawing/2010/main" Requires="a14">
             <p:sp>
               <p:nvSpPr>
                 <p:cNvPr id="48" name="文字方塊 47">
@@ -18107,8 +18131,8 @@
               </p:nvSpPr>
               <p:spPr>
                 <a:xfrm>
-                  <a:off x="5805090" y="5101928"/>
-                  <a:ext cx="764889" cy="369332"/>
+                  <a:off x="5814644" y="5101928"/>
+                  <a:ext cx="745781" cy="369332"/>
                 </a:xfrm>
                 <a:prstGeom prst="rect">
                   <a:avLst/>
@@ -18135,10 +18159,10 @@
                           <m:t>(</m:t>
                         </m:r>
                         <m:r>
-                          <a:rPr kumimoji="1" lang="en-US" altLang="zh-TW" i="1" smtClean="0">
+                          <a:rPr kumimoji="1" lang="en-US" altLang="zh-TW" b="0" i="1" smtClean="0">
                             <a:latin typeface="Cambria Math" panose="02040503050406030204" pitchFamily="18" charset="0"/>
                           </a:rPr>
-                          <m:t>𝑧</m:t>
+                          <m:t>𝑐</m:t>
                         </m:r>
                         <m:r>
                           <a:rPr kumimoji="1" lang="en-US" altLang="zh-TW" b="0" i="1" smtClean="0">
@@ -18147,10 +18171,10 @@
                           <m:t>, </m:t>
                         </m:r>
                         <m:r>
-                          <a:rPr kumimoji="1" lang="en-US" altLang="zh-TW" b="0" i="1" smtClean="0">
+                          <a:rPr kumimoji="1" lang="en-US" altLang="zh-TW" i="1" smtClean="0">
                             <a:latin typeface="Cambria Math" panose="02040503050406030204" pitchFamily="18" charset="0"/>
                           </a:rPr>
-                          <m:t>h</m:t>
+                          <m:t>𝑧</m:t>
                         </m:r>
                         <m:r>
                           <a:rPr kumimoji="1" lang="en-US" altLang="zh-TW" b="0" i="1" smtClean="0">
@@ -18166,7 +18190,7 @@
               </p:txBody>
             </p:sp>
           </mc:Choice>
-          <mc:Fallback xmlns="">
+          <mc:Fallback>
             <p:sp>
               <p:nvSpPr>
                 <p:cNvPr id="48" name="文字方塊 47">
@@ -18183,8 +18207,8 @@
               </p:nvSpPr>
               <p:spPr>
                 <a:xfrm>
-                  <a:off x="5805090" y="5101928"/>
-                  <a:ext cx="764889" cy="369332"/>
+                  <a:off x="5814644" y="5101928"/>
+                  <a:ext cx="745781" cy="369332"/>
                 </a:xfrm>
                 <a:prstGeom prst="rect">
                   <a:avLst/>
@@ -18192,7 +18216,7 @@
                 <a:blipFill>
                   <a:blip r:embed="rId6"/>
                   <a:stretch>
-                    <a:fillRect l="-1639" b="-13333"/>
+                    <a:fillRect l="-1667" b="-13333"/>
                   </a:stretch>
                 </a:blipFill>
               </p:spPr>
@@ -18212,6 +18236,767 @@
           </mc:Fallback>
         </mc:AlternateContent>
       </p:grpSp>
+      <mc:AlternateContent xmlns:mc="http://schemas.openxmlformats.org/markup-compatibility/2006">
+        <mc:Choice xmlns:a14="http://schemas.microsoft.com/office/drawing/2010/main" Requires="a14">
+          <p:sp>
+            <p:nvSpPr>
+              <p:cNvPr id="3" name="文字方塊 2">
+                <a:extLst>
+                  <a:ext uri="{FF2B5EF4-FFF2-40B4-BE49-F238E27FC236}">
+                    <a16:creationId xmlns:a16="http://schemas.microsoft.com/office/drawing/2014/main" id="{8BEE2150-8A73-34E3-6DF1-CC701593B0B3}"/>
+                  </a:ext>
+                </a:extLst>
+              </p:cNvPr>
+              <p:cNvSpPr txBox="1"/>
+              <p:nvPr/>
+            </p:nvSpPr>
+            <p:spPr>
+              <a:xfrm>
+                <a:off x="6159192" y="5708994"/>
+                <a:ext cx="5530934" cy="402033"/>
+              </a:xfrm>
+              <a:prstGeom prst="rect">
+                <a:avLst/>
+              </a:prstGeom>
+              <a:noFill/>
+            </p:spPr>
+            <p:txBody>
+              <a:bodyPr wrap="square">
+                <a:spAutoFit/>
+              </a:bodyPr>
+              <a:lstStyle/>
+              <a:p>
+                <a:pPr>
+                  <a:lnSpc>
+                    <a:spcPct val="100000"/>
+                  </a:lnSpc>
+                </a:pPr>
+                <a14:m>
+                  <m:oMathPara xmlns:m="http://schemas.openxmlformats.org/officeDocument/2006/math">
+                    <m:oMathParaPr>
+                      <m:jc m:val="centerGroup"/>
+                    </m:oMathParaPr>
+                    <m:oMath xmlns:m="http://schemas.openxmlformats.org/officeDocument/2006/math">
+                      <m:sSub>
+                        <m:sSubPr>
+                          <m:ctrlPr>
+                            <a:rPr kumimoji="1" lang="en-US" altLang="zh-TW" i="1" smtClean="0">
+                              <a:solidFill>
+                                <a:schemeClr val="bg1">
+                                  <a:lumMod val="75000"/>
+                                </a:schemeClr>
+                              </a:solidFill>
+                              <a:latin typeface="Cambria Math" panose="02040503050406030204" pitchFamily="18" charset="0"/>
+                              <a:ea typeface="Cambria Math" panose="02040503050406030204" pitchFamily="18" charset="0"/>
+                            </a:rPr>
+                          </m:ctrlPr>
+                        </m:sSubPr>
+                        <m:e>
+                          <m:r>
+                            <a:rPr kumimoji="1" lang="en-US" altLang="zh-TW" b="0" i="1" smtClean="0">
+                              <a:solidFill>
+                                <a:schemeClr val="bg1">
+                                  <a:lumMod val="75000"/>
+                                </a:schemeClr>
+                              </a:solidFill>
+                              <a:latin typeface="Cambria Math" panose="02040503050406030204" pitchFamily="18" charset="0"/>
+                              <a:ea typeface="Cambria Math" panose="02040503050406030204" pitchFamily="18" charset="0"/>
+                            </a:rPr>
+                            <m:t>h</m:t>
+                          </m:r>
+                          <m:sSub>
+                            <m:sSubPr>
+                              <m:ctrlPr>
+                                <a:rPr kumimoji="1" lang="en-US" altLang="zh-TW" i="1">
+                                  <a:solidFill>
+                                    <a:schemeClr val="bg1">
+                                      <a:lumMod val="75000"/>
+                                    </a:schemeClr>
+                                  </a:solidFill>
+                                  <a:latin typeface="Cambria Math" panose="02040503050406030204" pitchFamily="18" charset="0"/>
+                                  <a:ea typeface="Cambria Math" panose="02040503050406030204" pitchFamily="18" charset="0"/>
+                                </a:rPr>
+                              </m:ctrlPr>
+                            </m:sSubPr>
+                            <m:e>
+                              <m:r>
+                                <a:rPr kumimoji="1" lang="en-US" altLang="zh-TW" i="1">
+                                  <a:solidFill>
+                                    <a:schemeClr val="bg1">
+                                      <a:lumMod val="75000"/>
+                                    </a:schemeClr>
+                                  </a:solidFill>
+                                  <a:latin typeface="Cambria Math" panose="02040503050406030204" pitchFamily="18" charset="0"/>
+                                  <a:ea typeface="Cambria Math" panose="02040503050406030204" pitchFamily="18" charset="0"/>
+                                </a:rPr>
+                                <m:t>≡</m:t>
+                              </m:r>
+                            </m:e>
+                            <m:sub>
+                              <m:r>
+                                <a:rPr kumimoji="1" lang="en-US" altLang="zh-TW" i="1">
+                                  <a:solidFill>
+                                    <a:schemeClr val="bg1">
+                                      <a:lumMod val="75000"/>
+                                    </a:schemeClr>
+                                  </a:solidFill>
+                                  <a:latin typeface="Cambria Math" panose="02040503050406030204" pitchFamily="18" charset="0"/>
+                                  <a:ea typeface="Cambria Math" panose="02040503050406030204" pitchFamily="18" charset="0"/>
+                                </a:rPr>
+                                <m:t>𝑝</m:t>
+                              </m:r>
+                            </m:sub>
+                          </m:sSub>
+                          <m:sSup>
+                            <m:sSupPr>
+                              <m:ctrlPr>
+                                <a:rPr kumimoji="1" lang="en-US" altLang="zh-TW" i="1">
+                                  <a:solidFill>
+                                    <a:schemeClr val="bg1">
+                                      <a:lumMod val="75000"/>
+                                    </a:schemeClr>
+                                  </a:solidFill>
+                                  <a:latin typeface="Cambria Math" panose="02040503050406030204" pitchFamily="18" charset="0"/>
+                                </a:rPr>
+                              </m:ctrlPr>
+                            </m:sSupPr>
+                            <m:e>
+                              <m:r>
+                                <a:rPr kumimoji="1" lang="en-US" altLang="zh-TW" i="1">
+                                  <a:solidFill>
+                                    <a:schemeClr val="bg1">
+                                      <a:lumMod val="75000"/>
+                                    </a:schemeClr>
+                                  </a:solidFill>
+                                  <a:latin typeface="Cambria Math" panose="02040503050406030204" pitchFamily="18" charset="0"/>
+                                </a:rPr>
+                                <m:t>𝑔</m:t>
+                              </m:r>
+                            </m:e>
+                            <m:sup>
+                              <m:r>
+                                <a:rPr kumimoji="1" lang="en-US" altLang="zh-TW" i="1">
+                                  <a:solidFill>
+                                    <a:schemeClr val="bg1">
+                                      <a:lumMod val="75000"/>
+                                    </a:schemeClr>
+                                  </a:solidFill>
+                                  <a:latin typeface="Cambria Math" panose="02040503050406030204" pitchFamily="18" charset="0"/>
+                                </a:rPr>
+                                <m:t>𝑘</m:t>
+                              </m:r>
+                            </m:sup>
+                          </m:sSup>
+                          <m:r>
+                            <a:rPr kumimoji="1" lang="en-US" altLang="zh-TW" i="1">
+                              <a:solidFill>
+                                <a:schemeClr val="bg1">
+                                  <a:lumMod val="75000"/>
+                                </a:schemeClr>
+                              </a:solidFill>
+                              <a:latin typeface="Cambria Math" panose="02040503050406030204" pitchFamily="18" charset="0"/>
+                            </a:rPr>
+                            <m:t> </m:t>
+                          </m:r>
+                          <m:r>
+                            <a:rPr kumimoji="1" lang="en-US" altLang="zh-TW" i="1">
+                              <a:solidFill>
+                                <a:schemeClr val="bg1">
+                                  <a:lumMod val="75000"/>
+                                </a:schemeClr>
+                              </a:solidFill>
+                              <a:latin typeface="Cambria Math" panose="02040503050406030204" pitchFamily="18" charset="0"/>
+                              <a:ea typeface="Cambria Math" panose="02040503050406030204" pitchFamily="18" charset="0"/>
+                            </a:rPr>
+                            <m:t>≡</m:t>
+                          </m:r>
+                        </m:e>
+                        <m:sub>
+                          <m:r>
+                            <a:rPr kumimoji="1" lang="en-US" altLang="zh-TW" i="1">
+                              <a:solidFill>
+                                <a:schemeClr val="bg1">
+                                  <a:lumMod val="75000"/>
+                                </a:schemeClr>
+                              </a:solidFill>
+                              <a:latin typeface="Cambria Math" panose="02040503050406030204" pitchFamily="18" charset="0"/>
+                              <a:ea typeface="Cambria Math" panose="02040503050406030204" pitchFamily="18" charset="0"/>
+                            </a:rPr>
+                            <m:t>𝑝</m:t>
+                          </m:r>
+                        </m:sub>
+                      </m:sSub>
+                      <m:sSub>
+                        <m:sSubPr>
+                          <m:ctrlPr>
+                            <a:rPr kumimoji="1" lang="en-US" altLang="zh-TW" i="1" smtClean="0">
+                              <a:solidFill>
+                                <a:schemeClr val="bg1">
+                                  <a:lumMod val="75000"/>
+                                </a:schemeClr>
+                              </a:solidFill>
+                              <a:latin typeface="Cambria Math" panose="02040503050406030204" pitchFamily="18" charset="0"/>
+                              <a:ea typeface="Cambria Math" panose="02040503050406030204" pitchFamily="18" charset="0"/>
+                            </a:rPr>
+                          </m:ctrlPr>
+                        </m:sSubPr>
+                        <m:e>
+                          <m:sSup>
+                            <m:sSupPr>
+                              <m:ctrlPr>
+                                <a:rPr kumimoji="1" lang="en-US" altLang="zh-TW" i="1">
+                                  <a:solidFill>
+                                    <a:schemeClr val="bg1">
+                                      <a:lumMod val="75000"/>
+                                    </a:schemeClr>
+                                  </a:solidFill>
+                                  <a:latin typeface="Cambria Math" panose="02040503050406030204" pitchFamily="18" charset="0"/>
+                                </a:rPr>
+                              </m:ctrlPr>
+                            </m:sSupPr>
+                            <m:e>
+                              <m:r>
+                                <a:rPr kumimoji="1" lang="en-US" altLang="zh-TW" i="1">
+                                  <a:solidFill>
+                                    <a:schemeClr val="bg1">
+                                      <a:lumMod val="75000"/>
+                                    </a:schemeClr>
+                                  </a:solidFill>
+                                  <a:latin typeface="Cambria Math" panose="02040503050406030204" pitchFamily="18" charset="0"/>
+                                </a:rPr>
+                                <m:t>(</m:t>
+                              </m:r>
+                              <m:sSup>
+                                <m:sSupPr>
+                                  <m:ctrlPr>
+                                    <a:rPr kumimoji="1" lang="en-US" altLang="zh-TW" i="1">
+                                      <a:solidFill>
+                                        <a:schemeClr val="bg1">
+                                          <a:lumMod val="75000"/>
+                                        </a:schemeClr>
+                                      </a:solidFill>
+                                      <a:latin typeface="Cambria Math" panose="02040503050406030204" pitchFamily="18" charset="0"/>
+                                    </a:rPr>
+                                  </m:ctrlPr>
+                                </m:sSupPr>
+                                <m:e>
+                                  <m:r>
+                                    <a:rPr kumimoji="1" lang="en-US" altLang="zh-TW" i="1">
+                                      <a:solidFill>
+                                        <a:schemeClr val="bg1">
+                                          <a:lumMod val="75000"/>
+                                        </a:schemeClr>
+                                      </a:solidFill>
+                                      <a:latin typeface="Cambria Math" panose="02040503050406030204" pitchFamily="18" charset="0"/>
+                                    </a:rPr>
+                                    <m:t>𝑔</m:t>
+                                  </m:r>
+                                </m:e>
+                                <m:sup>
+                                  <m:r>
+                                    <a:rPr kumimoji="1" lang="en-US" altLang="zh-TW" i="1">
+                                      <a:solidFill>
+                                        <a:schemeClr val="bg1">
+                                          <a:lumMod val="75000"/>
+                                        </a:schemeClr>
+                                      </a:solidFill>
+                                      <a:latin typeface="Cambria Math" panose="02040503050406030204" pitchFamily="18" charset="0"/>
+                                    </a:rPr>
+                                    <m:t>𝑎</m:t>
+                                  </m:r>
+                                </m:sup>
+                              </m:sSup>
+                              <m:sSup>
+                                <m:sSupPr>
+                                  <m:ctrlPr>
+                                    <a:rPr kumimoji="1" lang="en-US" altLang="zh-TW" i="1">
+                                      <a:solidFill>
+                                        <a:schemeClr val="bg1">
+                                          <a:lumMod val="75000"/>
+                                        </a:schemeClr>
+                                      </a:solidFill>
+                                      <a:latin typeface="Cambria Math" panose="02040503050406030204" pitchFamily="18" charset="0"/>
+                                    </a:rPr>
+                                  </m:ctrlPr>
+                                </m:sSupPr>
+                                <m:e>
+                                  <m:r>
+                                    <a:rPr kumimoji="1" lang="en-US" altLang="zh-TW" i="1" smtClean="0">
+                                      <a:solidFill>
+                                        <a:schemeClr val="bg1">
+                                          <a:lumMod val="75000"/>
+                                        </a:schemeClr>
+                                      </a:solidFill>
+                                      <a:latin typeface="Cambria Math" panose="02040503050406030204" pitchFamily="18" charset="0"/>
+                                    </a:rPr>
+                                    <m:t>)</m:t>
+                                  </m:r>
+                                </m:e>
+                                <m:sup>
+                                  <m:r>
+                                    <a:rPr kumimoji="1" lang="en-US" altLang="zh-TW" i="1">
+                                      <a:solidFill>
+                                        <a:schemeClr val="bg1">
+                                          <a:lumMod val="75000"/>
+                                        </a:schemeClr>
+                                      </a:solidFill>
+                                      <a:latin typeface="Cambria Math" panose="02040503050406030204" pitchFamily="18" charset="0"/>
+                                    </a:rPr>
+                                    <m:t>𝑐</m:t>
+                                  </m:r>
+                                </m:sup>
+                              </m:sSup>
+                              <m:r>
+                                <a:rPr kumimoji="1" lang="en-US" altLang="zh-TW" i="1">
+                                  <a:solidFill>
+                                    <a:schemeClr val="bg1">
+                                      <a:lumMod val="75000"/>
+                                    </a:schemeClr>
+                                  </a:solidFill>
+                                  <a:latin typeface="Cambria Math" panose="02040503050406030204" pitchFamily="18" charset="0"/>
+                                  <a:ea typeface="Cambria Math" panose="02040503050406030204" pitchFamily="18" charset="0"/>
+                                </a:rPr>
+                                <m:t>∙</m:t>
+                              </m:r>
+                              <m:r>
+                                <a:rPr kumimoji="1" lang="en-US" altLang="zh-TW" i="1">
+                                  <a:solidFill>
+                                    <a:schemeClr val="bg1">
+                                      <a:lumMod val="75000"/>
+                                    </a:schemeClr>
+                                  </a:solidFill>
+                                  <a:latin typeface="Cambria Math" panose="02040503050406030204" pitchFamily="18" charset="0"/>
+                                </a:rPr>
+                                <m:t>𝑔</m:t>
+                              </m:r>
+                            </m:e>
+                            <m:sup>
+                              <m:r>
+                                <a:rPr kumimoji="1" lang="en-US" altLang="zh-TW" b="0" i="1" smtClean="0">
+                                  <a:solidFill>
+                                    <a:schemeClr val="bg1">
+                                      <a:lumMod val="75000"/>
+                                    </a:schemeClr>
+                                  </a:solidFill>
+                                  <a:latin typeface="Cambria Math" panose="02040503050406030204" pitchFamily="18" charset="0"/>
+                                </a:rPr>
+                                <m:t>𝑘</m:t>
+                              </m:r>
+                              <m:r>
+                                <a:rPr kumimoji="1" lang="en-US" altLang="zh-TW" b="0" i="1" smtClean="0">
+                                  <a:solidFill>
+                                    <a:schemeClr val="bg1">
+                                      <a:lumMod val="75000"/>
+                                    </a:schemeClr>
+                                  </a:solidFill>
+                                  <a:latin typeface="Cambria Math" panose="02040503050406030204" pitchFamily="18" charset="0"/>
+                                </a:rPr>
+                                <m:t>−</m:t>
+                              </m:r>
+                              <m:r>
+                                <a:rPr kumimoji="1" lang="en-US" altLang="zh-TW" b="0" i="1" smtClean="0">
+                                  <a:solidFill>
+                                    <a:schemeClr val="bg1">
+                                      <a:lumMod val="75000"/>
+                                    </a:schemeClr>
+                                  </a:solidFill>
+                                  <a:latin typeface="Cambria Math" panose="02040503050406030204" pitchFamily="18" charset="0"/>
+                                </a:rPr>
+                                <m:t>𝑎𝑐</m:t>
+                              </m:r>
+                            </m:sup>
+                          </m:sSup>
+                          <m:r>
+                            <a:rPr kumimoji="1" lang="en-US" altLang="zh-TW" b="0" i="1" smtClean="0">
+                              <a:solidFill>
+                                <a:schemeClr val="bg1">
+                                  <a:lumMod val="75000"/>
+                                </a:schemeClr>
+                              </a:solidFill>
+                              <a:latin typeface="Cambria Math" panose="02040503050406030204" pitchFamily="18" charset="0"/>
+                            </a:rPr>
+                            <m:t> </m:t>
+                          </m:r>
+                          <m:r>
+                            <a:rPr kumimoji="1" lang="en-US" altLang="zh-TW" i="1">
+                              <a:solidFill>
+                                <a:schemeClr val="bg1">
+                                  <a:lumMod val="75000"/>
+                                </a:schemeClr>
+                              </a:solidFill>
+                              <a:latin typeface="Cambria Math" panose="02040503050406030204" pitchFamily="18" charset="0"/>
+                              <a:ea typeface="Cambria Math" panose="02040503050406030204" pitchFamily="18" charset="0"/>
+                            </a:rPr>
+                            <m:t>≡</m:t>
+                          </m:r>
+                        </m:e>
+                        <m:sub>
+                          <m:r>
+                            <a:rPr kumimoji="1" lang="en-US" altLang="zh-TW" i="1">
+                              <a:solidFill>
+                                <a:schemeClr val="bg1">
+                                  <a:lumMod val="75000"/>
+                                </a:schemeClr>
+                              </a:solidFill>
+                              <a:latin typeface="Cambria Math" panose="02040503050406030204" pitchFamily="18" charset="0"/>
+                              <a:ea typeface="Cambria Math" panose="02040503050406030204" pitchFamily="18" charset="0"/>
+                            </a:rPr>
+                            <m:t>𝑝</m:t>
+                          </m:r>
+                        </m:sub>
+                      </m:sSub>
+                      <m:sSub>
+                        <m:sSubPr>
+                          <m:ctrlPr>
+                            <a:rPr kumimoji="1" lang="en-US" altLang="zh-TW" i="1" smtClean="0">
+                              <a:solidFill>
+                                <a:schemeClr val="bg1">
+                                  <a:lumMod val="75000"/>
+                                </a:schemeClr>
+                              </a:solidFill>
+                              <a:latin typeface="Cambria Math" panose="02040503050406030204" pitchFamily="18" charset="0"/>
+                              <a:ea typeface="Cambria Math" panose="02040503050406030204" pitchFamily="18" charset="0"/>
+                            </a:rPr>
+                          </m:ctrlPr>
+                        </m:sSubPr>
+                        <m:e>
+                          <m:sSup>
+                            <m:sSupPr>
+                              <m:ctrlPr>
+                                <a:rPr kumimoji="1" lang="en-US" altLang="zh-TW" i="1">
+                                  <a:solidFill>
+                                    <a:schemeClr val="bg1">
+                                      <a:lumMod val="75000"/>
+                                    </a:schemeClr>
+                                  </a:solidFill>
+                                  <a:latin typeface="Cambria Math" panose="02040503050406030204" pitchFamily="18" charset="0"/>
+                                </a:rPr>
+                              </m:ctrlPr>
+                            </m:sSupPr>
+                            <m:e>
+                              <m:r>
+                                <a:rPr kumimoji="1" lang="en-US" altLang="zh-TW" i="1">
+                                  <a:solidFill>
+                                    <a:schemeClr val="bg1">
+                                      <a:lumMod val="75000"/>
+                                    </a:schemeClr>
+                                  </a:solidFill>
+                                  <a:latin typeface="Cambria Math" panose="02040503050406030204" pitchFamily="18" charset="0"/>
+                                </a:rPr>
+                                <m:t>(</m:t>
+                              </m:r>
+                              <m:sSup>
+                                <m:sSupPr>
+                                  <m:ctrlPr>
+                                    <a:rPr kumimoji="1" lang="en-US" altLang="zh-TW" i="1">
+                                      <a:solidFill>
+                                        <a:schemeClr val="bg1">
+                                          <a:lumMod val="75000"/>
+                                        </a:schemeClr>
+                                      </a:solidFill>
+                                      <a:latin typeface="Cambria Math" panose="02040503050406030204" pitchFamily="18" charset="0"/>
+                                    </a:rPr>
+                                  </m:ctrlPr>
+                                </m:sSupPr>
+                                <m:e>
+                                  <m:r>
+                                    <a:rPr kumimoji="1" lang="en-US" altLang="zh-TW" i="1">
+                                      <a:solidFill>
+                                        <a:schemeClr val="bg1">
+                                          <a:lumMod val="75000"/>
+                                        </a:schemeClr>
+                                      </a:solidFill>
+                                      <a:latin typeface="Cambria Math" panose="02040503050406030204" pitchFamily="18" charset="0"/>
+                                    </a:rPr>
+                                    <m:t>𝑔</m:t>
+                                  </m:r>
+                                </m:e>
+                                <m:sup>
+                                  <m:r>
+                                    <a:rPr kumimoji="1" lang="en-US" altLang="zh-TW" i="1">
+                                      <a:solidFill>
+                                        <a:schemeClr val="bg1">
+                                          <a:lumMod val="75000"/>
+                                        </a:schemeClr>
+                                      </a:solidFill>
+                                      <a:latin typeface="Cambria Math" panose="02040503050406030204" pitchFamily="18" charset="0"/>
+                                    </a:rPr>
+                                    <m:t>𝑎</m:t>
+                                  </m:r>
+                                </m:sup>
+                              </m:sSup>
+                              <m:sSup>
+                                <m:sSupPr>
+                                  <m:ctrlPr>
+                                    <a:rPr kumimoji="1" lang="en-US" altLang="zh-TW" i="1">
+                                      <a:solidFill>
+                                        <a:schemeClr val="bg1">
+                                          <a:lumMod val="75000"/>
+                                        </a:schemeClr>
+                                      </a:solidFill>
+                                      <a:latin typeface="Cambria Math" panose="02040503050406030204" pitchFamily="18" charset="0"/>
+                                    </a:rPr>
+                                  </m:ctrlPr>
+                                </m:sSupPr>
+                                <m:e>
+                                  <m:r>
+                                    <a:rPr kumimoji="1" lang="en-US" altLang="zh-TW" i="1">
+                                      <a:solidFill>
+                                        <a:schemeClr val="bg1">
+                                          <a:lumMod val="75000"/>
+                                        </a:schemeClr>
+                                      </a:solidFill>
+                                      <a:latin typeface="Cambria Math" panose="02040503050406030204" pitchFamily="18" charset="0"/>
+                                    </a:rPr>
+                                    <m:t>)</m:t>
+                                  </m:r>
+                                </m:e>
+                                <m:sup>
+                                  <m:r>
+                                    <a:rPr kumimoji="1" lang="en-US" altLang="zh-TW" i="1">
+                                      <a:solidFill>
+                                        <a:schemeClr val="bg1">
+                                          <a:lumMod val="75000"/>
+                                        </a:schemeClr>
+                                      </a:solidFill>
+                                      <a:latin typeface="Cambria Math" panose="02040503050406030204" pitchFamily="18" charset="0"/>
+                                    </a:rPr>
+                                    <m:t>𝑐</m:t>
+                                  </m:r>
+                                </m:sup>
+                              </m:sSup>
+                              <m:r>
+                                <a:rPr kumimoji="1" lang="en-US" altLang="zh-TW" i="1">
+                                  <a:solidFill>
+                                    <a:schemeClr val="bg1">
+                                      <a:lumMod val="75000"/>
+                                    </a:schemeClr>
+                                  </a:solidFill>
+                                  <a:latin typeface="Cambria Math" panose="02040503050406030204" pitchFamily="18" charset="0"/>
+                                  <a:ea typeface="Cambria Math" panose="02040503050406030204" pitchFamily="18" charset="0"/>
+                                </a:rPr>
+                                <m:t>∙</m:t>
+                              </m:r>
+                              <m:r>
+                                <a:rPr kumimoji="1" lang="en-US" altLang="zh-TW" i="1">
+                                  <a:solidFill>
+                                    <a:schemeClr val="bg1">
+                                      <a:lumMod val="75000"/>
+                                    </a:schemeClr>
+                                  </a:solidFill>
+                                  <a:latin typeface="Cambria Math" panose="02040503050406030204" pitchFamily="18" charset="0"/>
+                                </a:rPr>
+                                <m:t>𝑔</m:t>
+                              </m:r>
+                            </m:e>
+                            <m:sup>
+                              <m:r>
+                                <a:rPr kumimoji="1" lang="en-US" altLang="zh-TW" i="1">
+                                  <a:solidFill>
+                                    <a:schemeClr val="bg1">
+                                      <a:lumMod val="75000"/>
+                                    </a:schemeClr>
+                                  </a:solidFill>
+                                  <a:latin typeface="Cambria Math" panose="02040503050406030204" pitchFamily="18" charset="0"/>
+                                </a:rPr>
+                                <m:t>𝑧</m:t>
+                              </m:r>
+                            </m:sup>
+                          </m:sSup>
+                          <m:r>
+                            <a:rPr kumimoji="1" lang="en-US" altLang="zh-TW" b="0" i="1" smtClean="0">
+                              <a:solidFill>
+                                <a:schemeClr val="bg1">
+                                  <a:lumMod val="75000"/>
+                                </a:schemeClr>
+                              </a:solidFill>
+                              <a:latin typeface="Cambria Math" panose="02040503050406030204" pitchFamily="18" charset="0"/>
+                            </a:rPr>
+                            <m:t> </m:t>
+                          </m:r>
+                          <m:r>
+                            <a:rPr kumimoji="1" lang="en-US" altLang="zh-TW" i="1">
+                              <a:solidFill>
+                                <a:schemeClr val="bg1">
+                                  <a:lumMod val="75000"/>
+                                </a:schemeClr>
+                              </a:solidFill>
+                              <a:latin typeface="Cambria Math" panose="02040503050406030204" pitchFamily="18" charset="0"/>
+                              <a:ea typeface="Cambria Math" panose="02040503050406030204" pitchFamily="18" charset="0"/>
+                            </a:rPr>
+                            <m:t>≡</m:t>
+                          </m:r>
+                        </m:e>
+                        <m:sub>
+                          <m:r>
+                            <a:rPr kumimoji="1" lang="en-US" altLang="zh-TW" i="1">
+                              <a:solidFill>
+                                <a:schemeClr val="bg1">
+                                  <a:lumMod val="75000"/>
+                                </a:schemeClr>
+                              </a:solidFill>
+                              <a:latin typeface="Cambria Math" panose="02040503050406030204" pitchFamily="18" charset="0"/>
+                              <a:ea typeface="Cambria Math" panose="02040503050406030204" pitchFamily="18" charset="0"/>
+                            </a:rPr>
+                            <m:t>𝑝</m:t>
+                          </m:r>
+                        </m:sub>
+                      </m:sSub>
+                      <m:sSup>
+                        <m:sSupPr>
+                          <m:ctrlPr>
+                            <a:rPr kumimoji="1" lang="en-US" altLang="zh-TW" i="1" smtClean="0">
+                              <a:solidFill>
+                                <a:schemeClr val="bg1">
+                                  <a:lumMod val="75000"/>
+                                </a:schemeClr>
+                              </a:solidFill>
+                              <a:latin typeface="Cambria Math" panose="02040503050406030204" pitchFamily="18" charset="0"/>
+                            </a:rPr>
+                          </m:ctrlPr>
+                        </m:sSupPr>
+                        <m:e>
+                          <m:r>
+                            <a:rPr kumimoji="1" lang="en-US" altLang="zh-TW" i="1">
+                              <a:solidFill>
+                                <a:schemeClr val="bg1">
+                                  <a:lumMod val="75000"/>
+                                </a:schemeClr>
+                              </a:solidFill>
+                              <a:latin typeface="Cambria Math" panose="02040503050406030204" pitchFamily="18" charset="0"/>
+                            </a:rPr>
+                            <m:t>𝑃𝐾</m:t>
+                          </m:r>
+                        </m:e>
+                        <m:sup>
+                          <m:r>
+                            <a:rPr kumimoji="1" lang="en-US" altLang="zh-TW" i="1">
+                              <a:solidFill>
+                                <a:schemeClr val="bg1">
+                                  <a:lumMod val="75000"/>
+                                </a:schemeClr>
+                              </a:solidFill>
+                              <a:latin typeface="Cambria Math" panose="02040503050406030204" pitchFamily="18" charset="0"/>
+                            </a:rPr>
+                            <m:t>𝑐</m:t>
+                          </m:r>
+                        </m:sup>
+                      </m:sSup>
+                      <m:r>
+                        <a:rPr kumimoji="1" lang="en-US" altLang="zh-TW" i="1">
+                          <a:solidFill>
+                            <a:schemeClr val="bg1">
+                              <a:lumMod val="75000"/>
+                            </a:schemeClr>
+                          </a:solidFill>
+                          <a:latin typeface="Cambria Math" panose="02040503050406030204" pitchFamily="18" charset="0"/>
+                          <a:ea typeface="Cambria Math" panose="02040503050406030204" pitchFamily="18" charset="0"/>
+                        </a:rPr>
+                        <m:t>∙</m:t>
+                      </m:r>
+                      <m:sSup>
+                        <m:sSupPr>
+                          <m:ctrlPr>
+                            <a:rPr kumimoji="1" lang="en-US" altLang="zh-TW" i="1">
+                              <a:solidFill>
+                                <a:schemeClr val="bg1">
+                                  <a:lumMod val="75000"/>
+                                </a:schemeClr>
+                              </a:solidFill>
+                              <a:latin typeface="Cambria Math" panose="02040503050406030204" pitchFamily="18" charset="0"/>
+                              <a:ea typeface="Cambria Math" panose="02040503050406030204" pitchFamily="18" charset="0"/>
+                            </a:rPr>
+                          </m:ctrlPr>
+                        </m:sSupPr>
+                        <m:e>
+                          <m:r>
+                            <a:rPr kumimoji="1" lang="en-US" altLang="zh-TW" b="0" i="1" smtClean="0">
+                              <a:solidFill>
+                                <a:schemeClr val="bg1">
+                                  <a:lumMod val="75000"/>
+                                </a:schemeClr>
+                              </a:solidFill>
+                              <a:latin typeface="Cambria Math" panose="02040503050406030204" pitchFamily="18" charset="0"/>
+                              <a:ea typeface="Cambria Math" panose="02040503050406030204" pitchFamily="18" charset="0"/>
+                            </a:rPr>
+                            <m:t>𝑔</m:t>
+                          </m:r>
+                        </m:e>
+                        <m:sup>
+                          <m:r>
+                            <a:rPr kumimoji="1" lang="en-US" altLang="zh-TW" b="0" i="1" smtClean="0">
+                              <a:solidFill>
+                                <a:schemeClr val="bg1">
+                                  <a:lumMod val="75000"/>
+                                </a:schemeClr>
+                              </a:solidFill>
+                              <a:latin typeface="Cambria Math" panose="02040503050406030204" pitchFamily="18" charset="0"/>
+                              <a:ea typeface="Cambria Math" panose="02040503050406030204" pitchFamily="18" charset="0"/>
+                            </a:rPr>
+                            <m:t>𝑧</m:t>
+                          </m:r>
+                        </m:sup>
+                      </m:sSup>
+                    </m:oMath>
+                  </m:oMathPara>
+                </a14:m>
+                <a:endParaRPr kumimoji="1" lang="en-US" altLang="zh-TW" b="0" i="1" dirty="0">
+                  <a:solidFill>
+                    <a:schemeClr val="bg1">
+                      <a:lumMod val="75000"/>
+                    </a:schemeClr>
+                  </a:solidFill>
+                  <a:latin typeface="Apple SD Gothic Neo" panose="02000300000000000000" pitchFamily="2" charset="-127"/>
+                </a:endParaRPr>
+              </a:p>
+            </p:txBody>
+          </p:sp>
+        </mc:Choice>
+        <mc:Fallback>
+          <p:sp>
+            <p:nvSpPr>
+              <p:cNvPr id="3" name="文字方塊 2">
+                <a:extLst>
+                  <a:ext uri="{FF2B5EF4-FFF2-40B4-BE49-F238E27FC236}">
+                    <a16:creationId xmlns:a16="http://schemas.microsoft.com/office/drawing/2014/main" id="{8BEE2150-8A73-34E3-6DF1-CC701593B0B3}"/>
+                  </a:ext>
+                </a:extLst>
+              </p:cNvPr>
+              <p:cNvSpPr txBox="1">
+                <a:spLocks noRot="1" noChangeAspect="1" noMove="1" noResize="1" noEditPoints="1" noAdjustHandles="1" noChangeArrowheads="1" noChangeShapeType="1" noTextEdit="1"/>
+              </p:cNvSpPr>
+              <p:nvPr/>
+            </p:nvSpPr>
+            <p:spPr>
+              <a:xfrm>
+                <a:off x="6159192" y="5708994"/>
+                <a:ext cx="5530934" cy="402033"/>
+              </a:xfrm>
+              <a:prstGeom prst="rect">
+                <a:avLst/>
+              </a:prstGeom>
+              <a:blipFill>
+                <a:blip r:embed="rId7"/>
+                <a:stretch>
+                  <a:fillRect b="-12500"/>
+                </a:stretch>
+              </a:blipFill>
+            </p:spPr>
+            <p:txBody>
+              <a:bodyPr/>
+              <a:lstStyle/>
+              <a:p>
+                <a:r>
+                  <a:rPr lang="zh-TW" altLang="en-US">
+                    <a:noFill/>
+                  </a:rPr>
+                  <a:t> </a:t>
+                </a:r>
+              </a:p>
+            </p:txBody>
+          </p:sp>
+        </mc:Fallback>
+      </mc:AlternateContent>
     </p:spTree>
     <p:extLst>
       <p:ext uri="{BB962C8B-B14F-4D97-AF65-F5344CB8AC3E}">
@@ -18814,6 +19599,33 @@
                 <a:hlinkClick r:id="rId8"/>
               </a:rPr>
               <a:t>Zero Knowledge Proofs: An illustrated primer</a:t>
+            </a:r>
+            <a:endParaRPr kumimoji="1" lang="en" altLang="zh-TW" dirty="0">
+              <a:latin typeface="Apple SD Gothic Neo" panose="02000300000000000000" pitchFamily="2" charset="-127"/>
+              <a:ea typeface="Apple SD Gothic Neo" panose="02000300000000000000" pitchFamily="2" charset="-127"/>
+            </a:endParaRPr>
+          </a:p>
+          <a:p>
+            <a:pPr>
+              <a:lnSpc>
+                <a:spcPct val="100000"/>
+              </a:lnSpc>
+            </a:pPr>
+            <a:r>
+              <a:rPr kumimoji="1" lang="en" altLang="zh-TW" dirty="0" err="1">
+                <a:latin typeface="Apple SD Gothic Neo" panose="02000300000000000000" pitchFamily="2" charset="-127"/>
+                <a:ea typeface="Noto Sans TC" panose="020B0500000000000000" pitchFamily="34" charset="-128"/>
+                <a:hlinkClick r:id="rId9"/>
+              </a:rPr>
+              <a:t>Schnorr's</a:t>
+            </a:r>
+            <a:r>
+              <a:rPr kumimoji="1" lang="en" altLang="zh-TW" dirty="0">
+                <a:latin typeface="Apple SD Gothic Neo" panose="02000300000000000000" pitchFamily="2" charset="-127"/>
+                <a:ea typeface="Noto Sans TC" panose="020B0500000000000000" pitchFamily="34" charset="-128"/>
+                <a:hlinkClick r:id="rId9"/>
+              </a:rPr>
+              <a:t> Signature and non-interactive Protocols</a:t>
             </a:r>
             <a:endParaRPr kumimoji="1" lang="zh-TW" altLang="en-US" dirty="0">
               <a:latin typeface="Apple SD Gothic Neo" panose="02000300000000000000" pitchFamily="2" charset="-127"/>
